--- a/модуль 1/изображения, таймер, клавиатура.pptx
+++ b/модуль 1/изображения, таймер, клавиатура.pptx
@@ -1,6 +1,6 @@
 
 <file path=ppt/presentation.xml><?xml version="1.0" encoding="utf-8"?>
-<p:presentation xmlns:a="http://schemas.openxmlformats.org/drawingml/2006/main" xmlns:r="http://schemas.openxmlformats.org/officeDocument/2006/relationships" xmlns:mc="http://schemas.openxmlformats.org/markup-compatibility/2006" xmlns:mv="urn:schemas-microsoft-com:mac:vml" xmlns:p="http://schemas.openxmlformats.org/presentationml/2006/main" xmlns:c="http://schemas.openxmlformats.org/drawingml/2006/chart" xmlns:dgm="http://schemas.openxmlformats.org/drawingml/2006/diagram" xmlns:o="urn:schemas-microsoft-com:office:office" xmlns:v="urn:schemas-microsoft-com:vml" xmlns:pvml="urn:schemas-microsoft-com:office:powerpoint" xmlns:com="http://schemas.openxmlformats.org/drawingml/2006/compatibility" xmlns:p14="http://schemas.microsoft.com/office/powerpoint/2010/main" xmlns:p15="http://schemas.microsoft.com/office/powerpoint/2012/main" autoCompressPictures="0" embedTrueTypeFonts="1" strictFirstAndLastChars="0" saveSubsetFonts="1">
+<p:presentation xmlns:a="http://schemas.openxmlformats.org/drawingml/2006/main" xmlns:r="http://schemas.openxmlformats.org/officeDocument/2006/relationships" xmlns:mc="http://schemas.openxmlformats.org/markup-compatibility/2006" xmlns:mv="urn:schemas-microsoft-com:mac:vml" xmlns:p="http://schemas.openxmlformats.org/presentationml/2006/main" xmlns:c="http://schemas.openxmlformats.org/drawingml/2006/chart" xmlns:dgm="http://schemas.openxmlformats.org/drawingml/2006/diagram" xmlns:o="urn:schemas-microsoft-com:office:office" xmlns:v="urn:schemas-microsoft-com:vml" xmlns:pvml="urn:schemas-microsoft-com:office:powerpoint" xmlns:com="http://schemas.openxmlformats.org/drawingml/2006/compatibility" xmlns:p14="http://schemas.microsoft.com/office/powerpoint/2010/main" xmlns:p15="http://schemas.microsoft.com/office/powerpoint/2012/main" xmlns:ahyp="http://schemas.microsoft.com/office/drawing/2018/hyperlinkcolor" autoCompressPictures="0" embedTrueTypeFonts="1" strictFirstAndLastChars="0" saveSubsetFonts="1">
   <p:sldMasterIdLst>
     <p:sldMasterId id="2147483648" r:id="rId4"/>
   </p:sldMasterIdLst>
@@ -18,16 +18,17 @@
     <p:sldId id="263" r:id="rId13"/>
     <p:sldId id="264" r:id="rId14"/>
     <p:sldId id="265" r:id="rId15"/>
+    <p:sldId id="266" r:id="rId16"/>
   </p:sldIdLst>
   <p:sldSz cy="6858000" cx="12192000"/>
   <p:notesSz cx="6858000" cy="9144000"/>
   <p:embeddedFontLst>
     <p:embeddedFont>
       <p:font typeface="Century Gothic"/>
-      <p:regular r:id="rId16"/>
-      <p:bold r:id="rId17"/>
-      <p:italic r:id="rId18"/>
-      <p:boldItalic r:id="rId19"/>
+      <p:regular r:id="rId17"/>
+      <p:bold r:id="rId18"/>
+      <p:italic r:id="rId19"/>
+      <p:boldItalic r:id="rId20"/>
     </p:embeddedFont>
   </p:embeddedFontLst>
   <p:defaultTextStyle>
@@ -275,14 +276,14 @@
       </p15:sldGuideLst>
     </p:ext>
     <p:ext uri="http://customooxmlschemas.google.com/">
-      <go:slidesCustomData xmlns:go="http://customooxmlschemas.google.com/" r:id="rId20" roundtripDataSignature="AMtx7mhp91PlDgtaqsdEROJRvG1s3GS64A=="/>
+      <go:slidesCustomData xmlns:go="http://customooxmlschemas.google.com/" r:id="rId21" roundtripDataSignature="AMtx7mju+We+9xWSPuDYTus3milwbyF1kw=="/>
     </p:ext>
   </p:extLst>
 </p:presentation>
 </file>
 
 <file path=ppt/notesMasters/notesMaster1.xml><?xml version="1.0" encoding="utf-8"?>
-<p:notesMaster xmlns:a="http://schemas.openxmlformats.org/drawingml/2006/main" xmlns:r="http://schemas.openxmlformats.org/officeDocument/2006/relationships" xmlns:mc="http://schemas.openxmlformats.org/markup-compatibility/2006" xmlns:mv="urn:schemas-microsoft-com:mac:vml" xmlns:p="http://schemas.openxmlformats.org/presentationml/2006/main" xmlns:c="http://schemas.openxmlformats.org/drawingml/2006/chart" xmlns:dgm="http://schemas.openxmlformats.org/drawingml/2006/diagram" xmlns:o="urn:schemas-microsoft-com:office:office" xmlns:v="urn:schemas-microsoft-com:vml" xmlns:pvml="urn:schemas-microsoft-com:office:powerpoint" xmlns:com="http://schemas.openxmlformats.org/drawingml/2006/compatibility" xmlns:p14="http://schemas.microsoft.com/office/powerpoint/2010/main" xmlns:p15="http://schemas.microsoft.com/office/powerpoint/2012/main">
+<p:notesMaster xmlns:a="http://schemas.openxmlformats.org/drawingml/2006/main" xmlns:r="http://schemas.openxmlformats.org/officeDocument/2006/relationships" xmlns:mc="http://schemas.openxmlformats.org/markup-compatibility/2006" xmlns:mv="urn:schemas-microsoft-com:mac:vml" xmlns:p="http://schemas.openxmlformats.org/presentationml/2006/main" xmlns:c="http://schemas.openxmlformats.org/drawingml/2006/chart" xmlns:dgm="http://schemas.openxmlformats.org/drawingml/2006/diagram" xmlns:o="urn:schemas-microsoft-com:office:office" xmlns:v="urn:schemas-microsoft-com:vml" xmlns:pvml="urn:schemas-microsoft-com:office:powerpoint" xmlns:com="http://schemas.openxmlformats.org/drawingml/2006/compatibility" xmlns:p14="http://schemas.microsoft.com/office/powerpoint/2010/main" xmlns:p15="http://schemas.microsoft.com/office/powerpoint/2012/main" xmlns:ahyp="http://schemas.microsoft.com/office/drawing/2018/hyperlinkcolor">
   <p:cSld>
     <p:spTree>
       <p:nvGrpSpPr>
@@ -708,7 +709,7 @@
 </file>
 
 <file path=ppt/notesSlides/notesSlide1.xml><?xml version="1.0" encoding="utf-8"?>
-<p:notes xmlns:a="http://schemas.openxmlformats.org/drawingml/2006/main" xmlns:r="http://schemas.openxmlformats.org/officeDocument/2006/relationships" xmlns:mc="http://schemas.openxmlformats.org/markup-compatibility/2006" xmlns:mv="urn:schemas-microsoft-com:mac:vml" xmlns:p="http://schemas.openxmlformats.org/presentationml/2006/main" xmlns:c="http://schemas.openxmlformats.org/drawingml/2006/chart" xmlns:dgm="http://schemas.openxmlformats.org/drawingml/2006/diagram" xmlns:o="urn:schemas-microsoft-com:office:office" xmlns:v="urn:schemas-microsoft-com:vml" xmlns:pvml="urn:schemas-microsoft-com:office:powerpoint" xmlns:com="http://schemas.openxmlformats.org/drawingml/2006/compatibility" xmlns:p14="http://schemas.microsoft.com/office/powerpoint/2010/main" xmlns:p15="http://schemas.microsoft.com/office/powerpoint/2012/main" showMasterPhAnim="0" showMasterSp="0">
+<p:notes xmlns:a="http://schemas.openxmlformats.org/drawingml/2006/main" xmlns:r="http://schemas.openxmlformats.org/officeDocument/2006/relationships" xmlns:mc="http://schemas.openxmlformats.org/markup-compatibility/2006" xmlns:mv="urn:schemas-microsoft-com:mac:vml" xmlns:p="http://schemas.openxmlformats.org/presentationml/2006/main" xmlns:c="http://schemas.openxmlformats.org/drawingml/2006/chart" xmlns:dgm="http://schemas.openxmlformats.org/drawingml/2006/diagram" xmlns:o="urn:schemas-microsoft-com:office:office" xmlns:v="urn:schemas-microsoft-com:vml" xmlns:pvml="urn:schemas-microsoft-com:office:powerpoint" xmlns:com="http://schemas.openxmlformats.org/drawingml/2006/compatibility" xmlns:p14="http://schemas.microsoft.com/office/powerpoint/2010/main" xmlns:p15="http://schemas.microsoft.com/office/powerpoint/2012/main" xmlns:ahyp="http://schemas.microsoft.com/office/drawing/2018/hyperlinkcolor" showMasterPhAnim="0" showMasterSp="0">
   <p:cSld>
     <p:spTree>
       <p:nvGrpSpPr>
@@ -807,11 +808,11 @@
 </file>
 
 <file path=ppt/notesSlides/notesSlide10.xml><?xml version="1.0" encoding="utf-8"?>
-<p:notes xmlns:a="http://schemas.openxmlformats.org/drawingml/2006/main" xmlns:r="http://schemas.openxmlformats.org/officeDocument/2006/relationships" xmlns:mc="http://schemas.openxmlformats.org/markup-compatibility/2006" xmlns:mv="urn:schemas-microsoft-com:mac:vml" xmlns:p="http://schemas.openxmlformats.org/presentationml/2006/main" xmlns:c="http://schemas.openxmlformats.org/drawingml/2006/chart" xmlns:dgm="http://schemas.openxmlformats.org/drawingml/2006/diagram" xmlns:o="urn:schemas-microsoft-com:office:office" xmlns:v="urn:schemas-microsoft-com:vml" xmlns:pvml="urn:schemas-microsoft-com:office:powerpoint" xmlns:com="http://schemas.openxmlformats.org/drawingml/2006/compatibility" xmlns:p14="http://schemas.microsoft.com/office/powerpoint/2010/main" xmlns:p15="http://schemas.microsoft.com/office/powerpoint/2012/main" showMasterPhAnim="0" showMasterSp="0">
+<p:notes xmlns:a="http://schemas.openxmlformats.org/drawingml/2006/main" xmlns:r="http://schemas.openxmlformats.org/officeDocument/2006/relationships" xmlns:mc="http://schemas.openxmlformats.org/markup-compatibility/2006" xmlns:mv="urn:schemas-microsoft-com:mac:vml" xmlns:p="http://schemas.openxmlformats.org/presentationml/2006/main" xmlns:c="http://schemas.openxmlformats.org/drawingml/2006/chart" xmlns:dgm="http://schemas.openxmlformats.org/drawingml/2006/diagram" xmlns:o="urn:schemas-microsoft-com:office:office" xmlns:v="urn:schemas-microsoft-com:vml" xmlns:pvml="urn:schemas-microsoft-com:office:powerpoint" xmlns:com="http://schemas.openxmlformats.org/drawingml/2006/compatibility" xmlns:p14="http://schemas.microsoft.com/office/powerpoint/2010/main" xmlns:p15="http://schemas.microsoft.com/office/powerpoint/2012/main" xmlns:ahyp="http://schemas.microsoft.com/office/drawing/2018/hyperlinkcolor" showMasterPhAnim="0" showMasterSp="0">
   <p:cSld>
     <p:spTree>
       <p:nvGrpSpPr>
-        <p:cNvPr id="298" name="Shape 298"/>
+        <p:cNvPr id="297" name="Shape 297"/>
         <p:cNvGrpSpPr/>
         <p:nvPr/>
       </p:nvGrpSpPr>
@@ -825,7 +826,7 @@
       </p:grpSpPr>
       <p:sp>
         <p:nvSpPr>
-          <p:cNvPr id="299" name="Google Shape;299;p10:notes"/>
+          <p:cNvPr id="298" name="Google Shape;298;p10:notes"/>
           <p:cNvSpPr txBox="1"/>
           <p:nvPr>
             <p:ph idx="1" type="body"/>
@@ -864,7 +865,106 @@
       </p:sp>
       <p:sp>
         <p:nvSpPr>
-          <p:cNvPr id="300" name="Google Shape;300;p10:notes"/>
+          <p:cNvPr id="299" name="Google Shape;299;p10:notes"/>
+          <p:cNvSpPr/>
+          <p:nvPr>
+            <p:ph idx="2" type="sldImg"/>
+          </p:nvPr>
+        </p:nvSpPr>
+        <p:spPr>
+          <a:xfrm>
+            <a:off x="1143225" y="685800"/>
+            <a:ext cx="4572225" cy="3429000"/>
+          </a:xfrm>
+          <a:custGeom>
+            <a:rect b="b" l="l" r="r" t="t"/>
+            <a:pathLst>
+              <a:path extrusionOk="0" h="120000" w="120000">
+                <a:moveTo>
+                  <a:pt x="0" y="0"/>
+                </a:moveTo>
+                <a:lnTo>
+                  <a:pt x="120000" y="0"/>
+                </a:lnTo>
+                <a:lnTo>
+                  <a:pt x="120000" y="120000"/>
+                </a:lnTo>
+                <a:lnTo>
+                  <a:pt x="0" y="120000"/>
+                </a:lnTo>
+                <a:close/>
+              </a:path>
+            </a:pathLst>
+          </a:custGeom>
+        </p:spPr>
+      </p:sp>
+    </p:spTree>
+  </p:cSld>
+  <p:clrMapOvr>
+    <a:masterClrMapping/>
+  </p:clrMapOvr>
+</p:notes>
+</file>
+
+<file path=ppt/notesSlides/notesSlide11.xml><?xml version="1.0" encoding="utf-8"?>
+<p:notes xmlns:a="http://schemas.openxmlformats.org/drawingml/2006/main" xmlns:r="http://schemas.openxmlformats.org/officeDocument/2006/relationships" xmlns:mc="http://schemas.openxmlformats.org/markup-compatibility/2006" xmlns:mv="urn:schemas-microsoft-com:mac:vml" xmlns:p="http://schemas.openxmlformats.org/presentationml/2006/main" xmlns:c="http://schemas.openxmlformats.org/drawingml/2006/chart" xmlns:dgm="http://schemas.openxmlformats.org/drawingml/2006/diagram" xmlns:o="urn:schemas-microsoft-com:office:office" xmlns:v="urn:schemas-microsoft-com:vml" xmlns:pvml="urn:schemas-microsoft-com:office:powerpoint" xmlns:com="http://schemas.openxmlformats.org/drawingml/2006/compatibility" xmlns:p14="http://schemas.microsoft.com/office/powerpoint/2010/main" xmlns:p15="http://schemas.microsoft.com/office/powerpoint/2012/main" xmlns:ahyp="http://schemas.microsoft.com/office/drawing/2018/hyperlinkcolor" showMasterPhAnim="0" showMasterSp="0">
+  <p:cSld>
+    <p:spTree>
+      <p:nvGrpSpPr>
+        <p:cNvPr id="302" name="Shape 302"/>
+        <p:cNvGrpSpPr/>
+        <p:nvPr/>
+      </p:nvGrpSpPr>
+      <p:grpSpPr>
+        <a:xfrm>
+          <a:off x="0" y="0"/>
+          <a:ext cx="0" cy="0"/>
+          <a:chOff x="0" y="0"/>
+          <a:chExt cx="0" cy="0"/>
+        </a:xfrm>
+      </p:grpSpPr>
+      <p:sp>
+        <p:nvSpPr>
+          <p:cNvPr id="303" name="Google Shape;303;p4:notes"/>
+          <p:cNvSpPr txBox="1"/>
+          <p:nvPr>
+            <p:ph idx="1" type="body"/>
+          </p:nvPr>
+        </p:nvSpPr>
+        <p:spPr>
+          <a:xfrm>
+            <a:off x="685800" y="4343400"/>
+            <a:ext cx="5486400" cy="4114800"/>
+          </a:xfrm>
+          <a:prstGeom prst="rect">
+            <a:avLst/>
+          </a:prstGeom>
+        </p:spPr>
+        <p:txBody>
+          <a:bodyPr anchorCtr="0" anchor="t" bIns="91425" lIns="91425" spcFirstLastPara="1" rIns="91425" wrap="square" tIns="91425">
+            <a:noAutofit/>
+          </a:bodyPr>
+          <a:lstStyle/>
+          <a:p>
+            <a:pPr indent="0" lvl="0" marL="0" rtl="0" algn="l">
+              <a:spcBef>
+                <a:spcPts val="0"/>
+              </a:spcBef>
+              <a:spcAft>
+                <a:spcPts val="0"/>
+              </a:spcAft>
+              <a:buNone/>
+            </a:pPr>
+            <a:r>
+              <a:t/>
+            </a:r>
+            <a:endParaRPr/>
+          </a:p>
+        </p:txBody>
+      </p:sp>
+      <p:sp>
+        <p:nvSpPr>
+          <p:cNvPr id="304" name="Google Shape;304;p4:notes"/>
           <p:cNvSpPr/>
           <p:nvPr>
             <p:ph idx="2" type="sldImg"/>
@@ -906,7 +1006,7 @@
 </file>
 
 <file path=ppt/notesSlides/notesSlide2.xml><?xml version="1.0" encoding="utf-8"?>
-<p:notes xmlns:a="http://schemas.openxmlformats.org/drawingml/2006/main" xmlns:r="http://schemas.openxmlformats.org/officeDocument/2006/relationships" xmlns:mc="http://schemas.openxmlformats.org/markup-compatibility/2006" xmlns:mv="urn:schemas-microsoft-com:mac:vml" xmlns:p="http://schemas.openxmlformats.org/presentationml/2006/main" xmlns:c="http://schemas.openxmlformats.org/drawingml/2006/chart" xmlns:dgm="http://schemas.openxmlformats.org/drawingml/2006/diagram" xmlns:o="urn:schemas-microsoft-com:office:office" xmlns:v="urn:schemas-microsoft-com:vml" xmlns:pvml="urn:schemas-microsoft-com:office:powerpoint" xmlns:com="http://schemas.openxmlformats.org/drawingml/2006/compatibility" xmlns:p14="http://schemas.microsoft.com/office/powerpoint/2010/main" xmlns:p15="http://schemas.microsoft.com/office/powerpoint/2012/main" showMasterPhAnim="0" showMasterSp="0">
+<p:notes xmlns:a="http://schemas.openxmlformats.org/drawingml/2006/main" xmlns:r="http://schemas.openxmlformats.org/officeDocument/2006/relationships" xmlns:mc="http://schemas.openxmlformats.org/markup-compatibility/2006" xmlns:mv="urn:schemas-microsoft-com:mac:vml" xmlns:p="http://schemas.openxmlformats.org/presentationml/2006/main" xmlns:c="http://schemas.openxmlformats.org/drawingml/2006/chart" xmlns:dgm="http://schemas.openxmlformats.org/drawingml/2006/diagram" xmlns:o="urn:schemas-microsoft-com:office:office" xmlns:v="urn:schemas-microsoft-com:vml" xmlns:pvml="urn:schemas-microsoft-com:office:powerpoint" xmlns:com="http://schemas.openxmlformats.org/drawingml/2006/compatibility" xmlns:p14="http://schemas.microsoft.com/office/powerpoint/2010/main" xmlns:p15="http://schemas.microsoft.com/office/powerpoint/2012/main" xmlns:ahyp="http://schemas.microsoft.com/office/drawing/2018/hyperlinkcolor" showMasterPhAnim="0" showMasterSp="0">
   <p:cSld>
     <p:spTree>
       <p:nvGrpSpPr>
@@ -1005,7 +1105,7 @@
 </file>
 
 <file path=ppt/notesSlides/notesSlide3.xml><?xml version="1.0" encoding="utf-8"?>
-<p:notes xmlns:a="http://schemas.openxmlformats.org/drawingml/2006/main" xmlns:r="http://schemas.openxmlformats.org/officeDocument/2006/relationships" xmlns:mc="http://schemas.openxmlformats.org/markup-compatibility/2006" xmlns:mv="urn:schemas-microsoft-com:mac:vml" xmlns:p="http://schemas.openxmlformats.org/presentationml/2006/main" xmlns:c="http://schemas.openxmlformats.org/drawingml/2006/chart" xmlns:dgm="http://schemas.openxmlformats.org/drawingml/2006/diagram" xmlns:o="urn:schemas-microsoft-com:office:office" xmlns:v="urn:schemas-microsoft-com:vml" xmlns:pvml="urn:schemas-microsoft-com:office:powerpoint" xmlns:com="http://schemas.openxmlformats.org/drawingml/2006/compatibility" xmlns:p14="http://schemas.microsoft.com/office/powerpoint/2010/main" xmlns:p15="http://schemas.microsoft.com/office/powerpoint/2012/main" showMasterPhAnim="0" showMasterSp="0">
+<p:notes xmlns:a="http://schemas.openxmlformats.org/drawingml/2006/main" xmlns:r="http://schemas.openxmlformats.org/officeDocument/2006/relationships" xmlns:mc="http://schemas.openxmlformats.org/markup-compatibility/2006" xmlns:mv="urn:schemas-microsoft-com:mac:vml" xmlns:p="http://schemas.openxmlformats.org/presentationml/2006/main" xmlns:c="http://schemas.openxmlformats.org/drawingml/2006/chart" xmlns:dgm="http://schemas.openxmlformats.org/drawingml/2006/diagram" xmlns:o="urn:schemas-microsoft-com:office:office" xmlns:v="urn:schemas-microsoft-com:vml" xmlns:pvml="urn:schemas-microsoft-com:office:powerpoint" xmlns:com="http://schemas.openxmlformats.org/drawingml/2006/compatibility" xmlns:p14="http://schemas.microsoft.com/office/powerpoint/2010/main" xmlns:p15="http://schemas.microsoft.com/office/powerpoint/2012/main" xmlns:ahyp="http://schemas.microsoft.com/office/drawing/2018/hyperlinkcolor" showMasterPhAnim="0" showMasterSp="0">
   <p:cSld>
     <p:spTree>
       <p:nvGrpSpPr>
@@ -1104,7 +1204,7 @@
 </file>
 
 <file path=ppt/notesSlides/notesSlide4.xml><?xml version="1.0" encoding="utf-8"?>
-<p:notes xmlns:a="http://schemas.openxmlformats.org/drawingml/2006/main" xmlns:r="http://schemas.openxmlformats.org/officeDocument/2006/relationships" xmlns:mc="http://schemas.openxmlformats.org/markup-compatibility/2006" xmlns:mv="urn:schemas-microsoft-com:mac:vml" xmlns:p="http://schemas.openxmlformats.org/presentationml/2006/main" xmlns:c="http://schemas.openxmlformats.org/drawingml/2006/chart" xmlns:dgm="http://schemas.openxmlformats.org/drawingml/2006/diagram" xmlns:o="urn:schemas-microsoft-com:office:office" xmlns:v="urn:schemas-microsoft-com:vml" xmlns:pvml="urn:schemas-microsoft-com:office:powerpoint" xmlns:com="http://schemas.openxmlformats.org/drawingml/2006/compatibility" xmlns:p14="http://schemas.microsoft.com/office/powerpoint/2010/main" xmlns:p15="http://schemas.microsoft.com/office/powerpoint/2012/main" showMasterPhAnim="0" showMasterSp="0">
+<p:notes xmlns:a="http://schemas.openxmlformats.org/drawingml/2006/main" xmlns:r="http://schemas.openxmlformats.org/officeDocument/2006/relationships" xmlns:mc="http://schemas.openxmlformats.org/markup-compatibility/2006" xmlns:mv="urn:schemas-microsoft-com:mac:vml" xmlns:p="http://schemas.openxmlformats.org/presentationml/2006/main" xmlns:c="http://schemas.openxmlformats.org/drawingml/2006/chart" xmlns:dgm="http://schemas.openxmlformats.org/drawingml/2006/diagram" xmlns:o="urn:schemas-microsoft-com:office:office" xmlns:v="urn:schemas-microsoft-com:vml" xmlns:pvml="urn:schemas-microsoft-com:office:powerpoint" xmlns:com="http://schemas.openxmlformats.org/drawingml/2006/compatibility" xmlns:p14="http://schemas.microsoft.com/office/powerpoint/2010/main" xmlns:p15="http://schemas.microsoft.com/office/powerpoint/2012/main" xmlns:ahyp="http://schemas.microsoft.com/office/drawing/2018/hyperlinkcolor" showMasterPhAnim="0" showMasterSp="0">
   <p:cSld>
     <p:spTree>
       <p:nvGrpSpPr>
@@ -1122,7 +1222,7 @@
       </p:grpSpPr>
       <p:sp>
         <p:nvSpPr>
-          <p:cNvPr id="262" name="Google Shape;262;p4:notes"/>
+          <p:cNvPr id="262" name="Google Shape;262;gbf41f966ba_0_0:notes"/>
           <p:cNvSpPr txBox="1"/>
           <p:nvPr>
             <p:ph idx="1" type="body"/>
@@ -1161,7 +1261,7 @@
       </p:sp>
       <p:sp>
         <p:nvSpPr>
-          <p:cNvPr id="263" name="Google Shape;263;p4:notes"/>
+          <p:cNvPr id="263" name="Google Shape;263;gbf41f966ba_0_0:notes"/>
           <p:cNvSpPr/>
           <p:nvPr>
             <p:ph idx="2" type="sldImg"/>
@@ -1170,7 +1270,7 @@
         <p:spPr>
           <a:xfrm>
             <a:off x="1143225" y="685800"/>
-            <a:ext cx="4572225" cy="3429000"/>
+            <a:ext cx="4572300" cy="3429000"/>
           </a:xfrm>
           <a:custGeom>
             <a:rect b="b" l="l" r="r" t="t"/>
@@ -1203,11 +1303,11 @@
 </file>
 
 <file path=ppt/notesSlides/notesSlide5.xml><?xml version="1.0" encoding="utf-8"?>
-<p:notes xmlns:a="http://schemas.openxmlformats.org/drawingml/2006/main" xmlns:r="http://schemas.openxmlformats.org/officeDocument/2006/relationships" xmlns:mc="http://schemas.openxmlformats.org/markup-compatibility/2006" xmlns:mv="urn:schemas-microsoft-com:mac:vml" xmlns:p="http://schemas.openxmlformats.org/presentationml/2006/main" xmlns:c="http://schemas.openxmlformats.org/drawingml/2006/chart" xmlns:dgm="http://schemas.openxmlformats.org/drawingml/2006/diagram" xmlns:o="urn:schemas-microsoft-com:office:office" xmlns:v="urn:schemas-microsoft-com:vml" xmlns:pvml="urn:schemas-microsoft-com:office:powerpoint" xmlns:com="http://schemas.openxmlformats.org/drawingml/2006/compatibility" xmlns:p14="http://schemas.microsoft.com/office/powerpoint/2010/main" xmlns:p15="http://schemas.microsoft.com/office/powerpoint/2012/main" showMasterPhAnim="0" showMasterSp="0">
+<p:notes xmlns:a="http://schemas.openxmlformats.org/drawingml/2006/main" xmlns:r="http://schemas.openxmlformats.org/officeDocument/2006/relationships" xmlns:mc="http://schemas.openxmlformats.org/markup-compatibility/2006" xmlns:mv="urn:schemas-microsoft-com:mac:vml" xmlns:p="http://schemas.openxmlformats.org/presentationml/2006/main" xmlns:c="http://schemas.openxmlformats.org/drawingml/2006/chart" xmlns:dgm="http://schemas.openxmlformats.org/drawingml/2006/diagram" xmlns:o="urn:schemas-microsoft-com:office:office" xmlns:v="urn:schemas-microsoft-com:vml" xmlns:pvml="urn:schemas-microsoft-com:office:powerpoint" xmlns:com="http://schemas.openxmlformats.org/drawingml/2006/compatibility" xmlns:p14="http://schemas.microsoft.com/office/powerpoint/2010/main" xmlns:p15="http://schemas.microsoft.com/office/powerpoint/2012/main" xmlns:ahyp="http://schemas.microsoft.com/office/drawing/2018/hyperlinkcolor" showMasterPhAnim="0" showMasterSp="0">
   <p:cSld>
     <p:spTree>
       <p:nvGrpSpPr>
-        <p:cNvPr id="267" name="Shape 267"/>
+        <p:cNvPr id="266" name="Shape 266"/>
         <p:cNvGrpSpPr/>
         <p:nvPr/>
       </p:nvGrpSpPr>
@@ -1221,7 +1321,7 @@
       </p:grpSpPr>
       <p:sp>
         <p:nvSpPr>
-          <p:cNvPr id="268" name="Google Shape;268;p5:notes"/>
+          <p:cNvPr id="267" name="Google Shape;267;p5:notes"/>
           <p:cNvSpPr txBox="1"/>
           <p:nvPr>
             <p:ph idx="1" type="body"/>
@@ -1260,7 +1360,7 @@
       </p:sp>
       <p:sp>
         <p:nvSpPr>
-          <p:cNvPr id="269" name="Google Shape;269;p5:notes"/>
+          <p:cNvPr id="268" name="Google Shape;268;p5:notes"/>
           <p:cNvSpPr/>
           <p:nvPr>
             <p:ph idx="2" type="sldImg"/>
@@ -1302,11 +1402,11 @@
 </file>
 
 <file path=ppt/notesSlides/notesSlide6.xml><?xml version="1.0" encoding="utf-8"?>
-<p:notes xmlns:a="http://schemas.openxmlformats.org/drawingml/2006/main" xmlns:r="http://schemas.openxmlformats.org/officeDocument/2006/relationships" xmlns:mc="http://schemas.openxmlformats.org/markup-compatibility/2006" xmlns:mv="urn:schemas-microsoft-com:mac:vml" xmlns:p="http://schemas.openxmlformats.org/presentationml/2006/main" xmlns:c="http://schemas.openxmlformats.org/drawingml/2006/chart" xmlns:dgm="http://schemas.openxmlformats.org/drawingml/2006/diagram" xmlns:o="urn:schemas-microsoft-com:office:office" xmlns:v="urn:schemas-microsoft-com:vml" xmlns:pvml="urn:schemas-microsoft-com:office:powerpoint" xmlns:com="http://schemas.openxmlformats.org/drawingml/2006/compatibility" xmlns:p14="http://schemas.microsoft.com/office/powerpoint/2010/main" xmlns:p15="http://schemas.microsoft.com/office/powerpoint/2012/main" showMasterPhAnim="0" showMasterSp="0">
+<p:notes xmlns:a="http://schemas.openxmlformats.org/drawingml/2006/main" xmlns:r="http://schemas.openxmlformats.org/officeDocument/2006/relationships" xmlns:mc="http://schemas.openxmlformats.org/markup-compatibility/2006" xmlns:mv="urn:schemas-microsoft-com:mac:vml" xmlns:p="http://schemas.openxmlformats.org/presentationml/2006/main" xmlns:c="http://schemas.openxmlformats.org/drawingml/2006/chart" xmlns:dgm="http://schemas.openxmlformats.org/drawingml/2006/diagram" xmlns:o="urn:schemas-microsoft-com:office:office" xmlns:v="urn:schemas-microsoft-com:vml" xmlns:pvml="urn:schemas-microsoft-com:office:powerpoint" xmlns:com="http://schemas.openxmlformats.org/drawingml/2006/compatibility" xmlns:p14="http://schemas.microsoft.com/office/powerpoint/2010/main" xmlns:p15="http://schemas.microsoft.com/office/powerpoint/2012/main" xmlns:ahyp="http://schemas.microsoft.com/office/drawing/2018/hyperlinkcolor" showMasterPhAnim="0" showMasterSp="0">
   <p:cSld>
     <p:spTree>
       <p:nvGrpSpPr>
-        <p:cNvPr id="272" name="Shape 272"/>
+        <p:cNvPr id="271" name="Shape 271"/>
         <p:cNvGrpSpPr/>
         <p:nvPr/>
       </p:nvGrpSpPr>
@@ -1320,7 +1420,7 @@
       </p:grpSpPr>
       <p:sp>
         <p:nvSpPr>
-          <p:cNvPr id="273" name="Google Shape;273;p6:notes"/>
+          <p:cNvPr id="272" name="Google Shape;272;p6:notes"/>
           <p:cNvSpPr txBox="1"/>
           <p:nvPr>
             <p:ph idx="1" type="body"/>
@@ -1359,7 +1459,7 @@
       </p:sp>
       <p:sp>
         <p:nvSpPr>
-          <p:cNvPr id="274" name="Google Shape;274;p6:notes"/>
+          <p:cNvPr id="273" name="Google Shape;273;p6:notes"/>
           <p:cNvSpPr/>
           <p:nvPr>
             <p:ph idx="2" type="sldImg"/>
@@ -1401,11 +1501,11 @@
 </file>
 
 <file path=ppt/notesSlides/notesSlide7.xml><?xml version="1.0" encoding="utf-8"?>
-<p:notes xmlns:a="http://schemas.openxmlformats.org/drawingml/2006/main" xmlns:r="http://schemas.openxmlformats.org/officeDocument/2006/relationships" xmlns:mc="http://schemas.openxmlformats.org/markup-compatibility/2006" xmlns:mv="urn:schemas-microsoft-com:mac:vml" xmlns:p="http://schemas.openxmlformats.org/presentationml/2006/main" xmlns:c="http://schemas.openxmlformats.org/drawingml/2006/chart" xmlns:dgm="http://schemas.openxmlformats.org/drawingml/2006/diagram" xmlns:o="urn:schemas-microsoft-com:office:office" xmlns:v="urn:schemas-microsoft-com:vml" xmlns:pvml="urn:schemas-microsoft-com:office:powerpoint" xmlns:com="http://schemas.openxmlformats.org/drawingml/2006/compatibility" xmlns:p14="http://schemas.microsoft.com/office/powerpoint/2010/main" xmlns:p15="http://schemas.microsoft.com/office/powerpoint/2012/main" showMasterPhAnim="0" showMasterSp="0">
+<p:notes xmlns:a="http://schemas.openxmlformats.org/drawingml/2006/main" xmlns:r="http://schemas.openxmlformats.org/officeDocument/2006/relationships" xmlns:mc="http://schemas.openxmlformats.org/markup-compatibility/2006" xmlns:mv="urn:schemas-microsoft-com:mac:vml" xmlns:p="http://schemas.openxmlformats.org/presentationml/2006/main" xmlns:c="http://schemas.openxmlformats.org/drawingml/2006/chart" xmlns:dgm="http://schemas.openxmlformats.org/drawingml/2006/diagram" xmlns:o="urn:schemas-microsoft-com:office:office" xmlns:v="urn:schemas-microsoft-com:vml" xmlns:pvml="urn:schemas-microsoft-com:office:powerpoint" xmlns:com="http://schemas.openxmlformats.org/drawingml/2006/compatibility" xmlns:p14="http://schemas.microsoft.com/office/powerpoint/2010/main" xmlns:p15="http://schemas.microsoft.com/office/powerpoint/2012/main" xmlns:ahyp="http://schemas.microsoft.com/office/drawing/2018/hyperlinkcolor" showMasterPhAnim="0" showMasterSp="0">
   <p:cSld>
     <p:spTree>
       <p:nvGrpSpPr>
-        <p:cNvPr id="277" name="Shape 277"/>
+        <p:cNvPr id="276" name="Shape 276"/>
         <p:cNvGrpSpPr/>
         <p:nvPr/>
       </p:nvGrpSpPr>
@@ -1419,7 +1519,7 @@
       </p:grpSpPr>
       <p:sp>
         <p:nvSpPr>
-          <p:cNvPr id="278" name="Google Shape;278;p7:notes"/>
+          <p:cNvPr id="277" name="Google Shape;277;p7:notes"/>
           <p:cNvSpPr txBox="1"/>
           <p:nvPr>
             <p:ph idx="1" type="body"/>
@@ -1458,7 +1558,7 @@
       </p:sp>
       <p:sp>
         <p:nvSpPr>
-          <p:cNvPr id="279" name="Google Shape;279;p7:notes"/>
+          <p:cNvPr id="278" name="Google Shape;278;p7:notes"/>
           <p:cNvSpPr/>
           <p:nvPr>
             <p:ph idx="2" type="sldImg"/>
@@ -1500,11 +1600,11 @@
 </file>
 
 <file path=ppt/notesSlides/notesSlide8.xml><?xml version="1.0" encoding="utf-8"?>
-<p:notes xmlns:a="http://schemas.openxmlformats.org/drawingml/2006/main" xmlns:r="http://schemas.openxmlformats.org/officeDocument/2006/relationships" xmlns:mc="http://schemas.openxmlformats.org/markup-compatibility/2006" xmlns:mv="urn:schemas-microsoft-com:mac:vml" xmlns:p="http://schemas.openxmlformats.org/presentationml/2006/main" xmlns:c="http://schemas.openxmlformats.org/drawingml/2006/chart" xmlns:dgm="http://schemas.openxmlformats.org/drawingml/2006/diagram" xmlns:o="urn:schemas-microsoft-com:office:office" xmlns:v="urn:schemas-microsoft-com:vml" xmlns:pvml="urn:schemas-microsoft-com:office:powerpoint" xmlns:com="http://schemas.openxmlformats.org/drawingml/2006/compatibility" xmlns:p14="http://schemas.microsoft.com/office/powerpoint/2010/main" xmlns:p15="http://schemas.microsoft.com/office/powerpoint/2012/main" showMasterPhAnim="0" showMasterSp="0">
+<p:notes xmlns:a="http://schemas.openxmlformats.org/drawingml/2006/main" xmlns:r="http://schemas.openxmlformats.org/officeDocument/2006/relationships" xmlns:mc="http://schemas.openxmlformats.org/markup-compatibility/2006" xmlns:mv="urn:schemas-microsoft-com:mac:vml" xmlns:p="http://schemas.openxmlformats.org/presentationml/2006/main" xmlns:c="http://schemas.openxmlformats.org/drawingml/2006/chart" xmlns:dgm="http://schemas.openxmlformats.org/drawingml/2006/diagram" xmlns:o="urn:schemas-microsoft-com:office:office" xmlns:v="urn:schemas-microsoft-com:vml" xmlns:pvml="urn:schemas-microsoft-com:office:powerpoint" xmlns:com="http://schemas.openxmlformats.org/drawingml/2006/compatibility" xmlns:p14="http://schemas.microsoft.com/office/powerpoint/2010/main" xmlns:p15="http://schemas.microsoft.com/office/powerpoint/2012/main" xmlns:ahyp="http://schemas.microsoft.com/office/drawing/2018/hyperlinkcolor" showMasterPhAnim="0" showMasterSp="0">
   <p:cSld>
     <p:spTree>
       <p:nvGrpSpPr>
-        <p:cNvPr id="282" name="Shape 282"/>
+        <p:cNvPr id="281" name="Shape 281"/>
         <p:cNvGrpSpPr/>
         <p:nvPr/>
       </p:nvGrpSpPr>
@@ -1518,7 +1618,7 @@
       </p:grpSpPr>
       <p:sp>
         <p:nvSpPr>
-          <p:cNvPr id="283" name="Google Shape;283;p8:notes"/>
+          <p:cNvPr id="282" name="Google Shape;282;p8:notes"/>
           <p:cNvSpPr txBox="1"/>
           <p:nvPr>
             <p:ph idx="1" type="body"/>
@@ -1557,7 +1657,7 @@
       </p:sp>
       <p:sp>
         <p:nvSpPr>
-          <p:cNvPr id="284" name="Google Shape;284;p8:notes"/>
+          <p:cNvPr id="283" name="Google Shape;283;p8:notes"/>
           <p:cNvSpPr/>
           <p:nvPr>
             <p:ph idx="2" type="sldImg"/>
@@ -1599,11 +1699,11 @@
 </file>
 
 <file path=ppt/notesSlides/notesSlide9.xml><?xml version="1.0" encoding="utf-8"?>
-<p:notes xmlns:a="http://schemas.openxmlformats.org/drawingml/2006/main" xmlns:r="http://schemas.openxmlformats.org/officeDocument/2006/relationships" xmlns:mc="http://schemas.openxmlformats.org/markup-compatibility/2006" xmlns:mv="urn:schemas-microsoft-com:mac:vml" xmlns:p="http://schemas.openxmlformats.org/presentationml/2006/main" xmlns:c="http://schemas.openxmlformats.org/drawingml/2006/chart" xmlns:dgm="http://schemas.openxmlformats.org/drawingml/2006/diagram" xmlns:o="urn:schemas-microsoft-com:office:office" xmlns:v="urn:schemas-microsoft-com:vml" xmlns:pvml="urn:schemas-microsoft-com:office:powerpoint" xmlns:com="http://schemas.openxmlformats.org/drawingml/2006/compatibility" xmlns:p14="http://schemas.microsoft.com/office/powerpoint/2010/main" xmlns:p15="http://schemas.microsoft.com/office/powerpoint/2012/main" showMasterPhAnim="0" showMasterSp="0">
+<p:notes xmlns:a="http://schemas.openxmlformats.org/drawingml/2006/main" xmlns:r="http://schemas.openxmlformats.org/officeDocument/2006/relationships" xmlns:mc="http://schemas.openxmlformats.org/markup-compatibility/2006" xmlns:mv="urn:schemas-microsoft-com:mac:vml" xmlns:p="http://schemas.openxmlformats.org/presentationml/2006/main" xmlns:c="http://schemas.openxmlformats.org/drawingml/2006/chart" xmlns:dgm="http://schemas.openxmlformats.org/drawingml/2006/diagram" xmlns:o="urn:schemas-microsoft-com:office:office" xmlns:v="urn:schemas-microsoft-com:vml" xmlns:pvml="urn:schemas-microsoft-com:office:powerpoint" xmlns:com="http://schemas.openxmlformats.org/drawingml/2006/compatibility" xmlns:p14="http://schemas.microsoft.com/office/powerpoint/2010/main" xmlns:p15="http://schemas.microsoft.com/office/powerpoint/2012/main" xmlns:ahyp="http://schemas.microsoft.com/office/drawing/2018/hyperlinkcolor" showMasterPhAnim="0" showMasterSp="0">
   <p:cSld>
     <p:spTree>
       <p:nvGrpSpPr>
-        <p:cNvPr id="293" name="Shape 293"/>
+        <p:cNvPr id="292" name="Shape 292"/>
         <p:cNvGrpSpPr/>
         <p:nvPr/>
       </p:nvGrpSpPr>
@@ -1617,7 +1717,7 @@
       </p:grpSpPr>
       <p:sp>
         <p:nvSpPr>
-          <p:cNvPr id="294" name="Google Shape;294;p9:notes"/>
+          <p:cNvPr id="293" name="Google Shape;293;p9:notes"/>
           <p:cNvSpPr txBox="1"/>
           <p:nvPr>
             <p:ph idx="1" type="body"/>
@@ -1656,7 +1756,7 @@
       </p:sp>
       <p:sp>
         <p:nvSpPr>
-          <p:cNvPr id="295" name="Google Shape;295;p9:notes"/>
+          <p:cNvPr id="294" name="Google Shape;294;p9:notes"/>
           <p:cNvSpPr/>
           <p:nvPr>
             <p:ph idx="2" type="sldImg"/>
@@ -1698,7 +1798,7 @@
 </file>
 
 <file path=ppt/slideLayouts/slideLayout1.xml><?xml version="1.0" encoding="utf-8"?>
-<p:sldLayout xmlns:a="http://schemas.openxmlformats.org/drawingml/2006/main" xmlns:r="http://schemas.openxmlformats.org/officeDocument/2006/relationships" xmlns:mc="http://schemas.openxmlformats.org/markup-compatibility/2006" xmlns:mv="urn:schemas-microsoft-com:mac:vml" xmlns:p="http://schemas.openxmlformats.org/presentationml/2006/main" xmlns:c="http://schemas.openxmlformats.org/drawingml/2006/chart" xmlns:dgm="http://schemas.openxmlformats.org/drawingml/2006/diagram" xmlns:o="urn:schemas-microsoft-com:office:office" xmlns:v="urn:schemas-microsoft-com:vml" xmlns:pvml="urn:schemas-microsoft-com:office:powerpoint" xmlns:com="http://schemas.openxmlformats.org/drawingml/2006/compatibility" xmlns:p14="http://schemas.microsoft.com/office/powerpoint/2010/main" xmlns:p15="http://schemas.microsoft.com/office/powerpoint/2012/main" matchingName="Пустой слайд" showMasterSp="0" type="blank">
+<p:sldLayout xmlns:a="http://schemas.openxmlformats.org/drawingml/2006/main" xmlns:r="http://schemas.openxmlformats.org/officeDocument/2006/relationships" xmlns:mc="http://schemas.openxmlformats.org/markup-compatibility/2006" xmlns:mv="urn:schemas-microsoft-com:mac:vml" xmlns:p="http://schemas.openxmlformats.org/presentationml/2006/main" xmlns:c="http://schemas.openxmlformats.org/drawingml/2006/chart" xmlns:dgm="http://schemas.openxmlformats.org/drawingml/2006/diagram" xmlns:o="urn:schemas-microsoft-com:office:office" xmlns:v="urn:schemas-microsoft-com:vml" xmlns:pvml="urn:schemas-microsoft-com:office:powerpoint" xmlns:com="http://schemas.openxmlformats.org/drawingml/2006/compatibility" xmlns:p14="http://schemas.microsoft.com/office/powerpoint/2010/main" xmlns:p15="http://schemas.microsoft.com/office/powerpoint/2012/main" xmlns:ahyp="http://schemas.microsoft.com/office/drawing/2018/hyperlinkcolor" matchingName="Пустой слайд" showMasterSp="0" type="blank">
   <p:cSld name="BLANK">
     <p:spTree>
       <p:nvGrpSpPr>
@@ -2139,7 +2239,7 @@
 </file>
 
 <file path=ppt/slideLayouts/slideLayout10.xml><?xml version="1.0" encoding="utf-8"?>
-<p:sldLayout xmlns:a="http://schemas.openxmlformats.org/drawingml/2006/main" xmlns:r="http://schemas.openxmlformats.org/officeDocument/2006/relationships" xmlns:mc="http://schemas.openxmlformats.org/markup-compatibility/2006" xmlns:mv="urn:schemas-microsoft-com:mac:vml" xmlns:p="http://schemas.openxmlformats.org/presentationml/2006/main" xmlns:c="http://schemas.openxmlformats.org/drawingml/2006/chart" xmlns:dgm="http://schemas.openxmlformats.org/drawingml/2006/diagram" xmlns:o="urn:schemas-microsoft-com:office:office" xmlns:v="urn:schemas-microsoft-com:vml" xmlns:pvml="urn:schemas-microsoft-com:office:powerpoint" xmlns:com="http://schemas.openxmlformats.org/drawingml/2006/compatibility" xmlns:p14="http://schemas.microsoft.com/office/powerpoint/2010/main" xmlns:p15="http://schemas.microsoft.com/office/powerpoint/2012/main" matchingName="Панорамная фотография с подписью">
+<p:sldLayout xmlns:a="http://schemas.openxmlformats.org/drawingml/2006/main" xmlns:r="http://schemas.openxmlformats.org/officeDocument/2006/relationships" xmlns:mc="http://schemas.openxmlformats.org/markup-compatibility/2006" xmlns:mv="urn:schemas-microsoft-com:mac:vml" xmlns:p="http://schemas.openxmlformats.org/presentationml/2006/main" xmlns:c="http://schemas.openxmlformats.org/drawingml/2006/chart" xmlns:dgm="http://schemas.openxmlformats.org/drawingml/2006/diagram" xmlns:o="urn:schemas-microsoft-com:office:office" xmlns:v="urn:schemas-microsoft-com:vml" xmlns:pvml="urn:schemas-microsoft-com:office:powerpoint" xmlns:com="http://schemas.openxmlformats.org/drawingml/2006/compatibility" xmlns:p14="http://schemas.microsoft.com/office/powerpoint/2010/main" xmlns:p15="http://schemas.microsoft.com/office/powerpoint/2012/main" xmlns:ahyp="http://schemas.microsoft.com/office/drawing/2018/hyperlinkcolor" matchingName="Панорамная фотография с подписью">
   <p:cSld name="Панорамная фотография с подписью">
     <p:spTree>
       <p:nvGrpSpPr>
@@ -3897,7 +3997,7 @@
 </file>
 
 <file path=ppt/slideLayouts/slideLayout11.xml><?xml version="1.0" encoding="utf-8"?>
-<p:sldLayout xmlns:a="http://schemas.openxmlformats.org/drawingml/2006/main" xmlns:r="http://schemas.openxmlformats.org/officeDocument/2006/relationships" xmlns:mc="http://schemas.openxmlformats.org/markup-compatibility/2006" xmlns:mv="urn:schemas-microsoft-com:mac:vml" xmlns:p="http://schemas.openxmlformats.org/presentationml/2006/main" xmlns:c="http://schemas.openxmlformats.org/drawingml/2006/chart" xmlns:dgm="http://schemas.openxmlformats.org/drawingml/2006/diagram" xmlns:o="urn:schemas-microsoft-com:office:office" xmlns:v="urn:schemas-microsoft-com:vml" xmlns:pvml="urn:schemas-microsoft-com:office:powerpoint" xmlns:com="http://schemas.openxmlformats.org/drawingml/2006/compatibility" xmlns:p14="http://schemas.microsoft.com/office/powerpoint/2010/main" xmlns:p15="http://schemas.microsoft.com/office/powerpoint/2012/main" matchingName="Заголовок и подпись" showMasterSp="0">
+<p:sldLayout xmlns:a="http://schemas.openxmlformats.org/drawingml/2006/main" xmlns:r="http://schemas.openxmlformats.org/officeDocument/2006/relationships" xmlns:mc="http://schemas.openxmlformats.org/markup-compatibility/2006" xmlns:mv="urn:schemas-microsoft-com:mac:vml" xmlns:p="http://schemas.openxmlformats.org/presentationml/2006/main" xmlns:c="http://schemas.openxmlformats.org/drawingml/2006/chart" xmlns:dgm="http://schemas.openxmlformats.org/drawingml/2006/diagram" xmlns:o="urn:schemas-microsoft-com:office:office" xmlns:v="urn:schemas-microsoft-com:vml" xmlns:pvml="urn:schemas-microsoft-com:office:powerpoint" xmlns:com="http://schemas.openxmlformats.org/drawingml/2006/compatibility" xmlns:p14="http://schemas.microsoft.com/office/powerpoint/2010/main" xmlns:p15="http://schemas.microsoft.com/office/powerpoint/2012/main" xmlns:ahyp="http://schemas.microsoft.com/office/drawing/2018/hyperlinkcolor" matchingName="Заголовок и подпись" showMasterSp="0">
   <p:cSld name="Заголовок и подпись">
     <p:spTree>
       <p:nvGrpSpPr>
@@ -5405,7 +5505,7 @@
 </file>
 
 <file path=ppt/slideLayouts/slideLayout12.xml><?xml version="1.0" encoding="utf-8"?>
-<p:sldLayout xmlns:a="http://schemas.openxmlformats.org/drawingml/2006/main" xmlns:r="http://schemas.openxmlformats.org/officeDocument/2006/relationships" xmlns:mc="http://schemas.openxmlformats.org/markup-compatibility/2006" xmlns:mv="urn:schemas-microsoft-com:mac:vml" xmlns:p="http://schemas.openxmlformats.org/presentationml/2006/main" xmlns:c="http://schemas.openxmlformats.org/drawingml/2006/chart" xmlns:dgm="http://schemas.openxmlformats.org/drawingml/2006/diagram" xmlns:o="urn:schemas-microsoft-com:office:office" xmlns:v="urn:schemas-microsoft-com:vml" xmlns:pvml="urn:schemas-microsoft-com:office:powerpoint" xmlns:com="http://schemas.openxmlformats.org/drawingml/2006/compatibility" xmlns:p14="http://schemas.microsoft.com/office/powerpoint/2010/main" xmlns:p15="http://schemas.microsoft.com/office/powerpoint/2012/main" matchingName="Цитата с подписью" showMasterSp="0">
+<p:sldLayout xmlns:a="http://schemas.openxmlformats.org/drawingml/2006/main" xmlns:r="http://schemas.openxmlformats.org/officeDocument/2006/relationships" xmlns:mc="http://schemas.openxmlformats.org/markup-compatibility/2006" xmlns:mv="urn:schemas-microsoft-com:mac:vml" xmlns:p="http://schemas.openxmlformats.org/presentationml/2006/main" xmlns:c="http://schemas.openxmlformats.org/drawingml/2006/chart" xmlns:dgm="http://schemas.openxmlformats.org/drawingml/2006/diagram" xmlns:o="urn:schemas-microsoft-com:office:office" xmlns:v="urn:schemas-microsoft-com:vml" xmlns:pvml="urn:schemas-microsoft-com:office:powerpoint" xmlns:com="http://schemas.openxmlformats.org/drawingml/2006/compatibility" xmlns:p14="http://schemas.microsoft.com/office/powerpoint/2010/main" xmlns:p15="http://schemas.microsoft.com/office/powerpoint/2012/main" xmlns:ahyp="http://schemas.microsoft.com/office/drawing/2018/hyperlinkcolor" matchingName="Цитата с подписью" showMasterSp="0">
   <p:cSld name="Цитата с подписью">
     <p:spTree>
       <p:nvGrpSpPr>
@@ -7150,7 +7250,7 @@
 </file>
 
 <file path=ppt/slideLayouts/slideLayout13.xml><?xml version="1.0" encoding="utf-8"?>
-<p:sldLayout xmlns:a="http://schemas.openxmlformats.org/drawingml/2006/main" xmlns:r="http://schemas.openxmlformats.org/officeDocument/2006/relationships" xmlns:mc="http://schemas.openxmlformats.org/markup-compatibility/2006" xmlns:mv="urn:schemas-microsoft-com:mac:vml" xmlns:p="http://schemas.openxmlformats.org/presentationml/2006/main" xmlns:c="http://schemas.openxmlformats.org/drawingml/2006/chart" xmlns:dgm="http://schemas.openxmlformats.org/drawingml/2006/diagram" xmlns:o="urn:schemas-microsoft-com:office:office" xmlns:v="urn:schemas-microsoft-com:vml" xmlns:pvml="urn:schemas-microsoft-com:office:powerpoint" xmlns:com="http://schemas.openxmlformats.org/drawingml/2006/compatibility" xmlns:p14="http://schemas.microsoft.com/office/powerpoint/2010/main" xmlns:p15="http://schemas.microsoft.com/office/powerpoint/2012/main" matchingName="Карточка имени" showMasterSp="0">
+<p:sldLayout xmlns:a="http://schemas.openxmlformats.org/drawingml/2006/main" xmlns:r="http://schemas.openxmlformats.org/officeDocument/2006/relationships" xmlns:mc="http://schemas.openxmlformats.org/markup-compatibility/2006" xmlns:mv="urn:schemas-microsoft-com:mac:vml" xmlns:p="http://schemas.openxmlformats.org/presentationml/2006/main" xmlns:c="http://schemas.openxmlformats.org/drawingml/2006/chart" xmlns:dgm="http://schemas.openxmlformats.org/drawingml/2006/diagram" xmlns:o="urn:schemas-microsoft-com:office:office" xmlns:v="urn:schemas-microsoft-com:vml" xmlns:pvml="urn:schemas-microsoft-com:office:powerpoint" xmlns:com="http://schemas.openxmlformats.org/drawingml/2006/compatibility" xmlns:p14="http://schemas.microsoft.com/office/powerpoint/2010/main" xmlns:p15="http://schemas.microsoft.com/office/powerpoint/2012/main" xmlns:ahyp="http://schemas.microsoft.com/office/drawing/2018/hyperlinkcolor" matchingName="Карточка имени" showMasterSp="0">
   <p:cSld name="Карточка имени">
     <p:spTree>
       <p:nvGrpSpPr>
@@ -8694,7 +8794,7 @@
 </file>
 
 <file path=ppt/slideLayouts/slideLayout14.xml><?xml version="1.0" encoding="utf-8"?>
-<p:sldLayout xmlns:a="http://schemas.openxmlformats.org/drawingml/2006/main" xmlns:r="http://schemas.openxmlformats.org/officeDocument/2006/relationships" xmlns:mc="http://schemas.openxmlformats.org/markup-compatibility/2006" xmlns:mv="urn:schemas-microsoft-com:mac:vml" xmlns:p="http://schemas.openxmlformats.org/presentationml/2006/main" xmlns:c="http://schemas.openxmlformats.org/drawingml/2006/chart" xmlns:dgm="http://schemas.openxmlformats.org/drawingml/2006/diagram" xmlns:o="urn:schemas-microsoft-com:office:office" xmlns:v="urn:schemas-microsoft-com:vml" xmlns:pvml="urn:schemas-microsoft-com:office:powerpoint" xmlns:com="http://schemas.openxmlformats.org/drawingml/2006/compatibility" xmlns:p14="http://schemas.microsoft.com/office/powerpoint/2010/main" xmlns:p15="http://schemas.microsoft.com/office/powerpoint/2012/main" matchingName="Три колонки">
+<p:sldLayout xmlns:a="http://schemas.openxmlformats.org/drawingml/2006/main" xmlns:r="http://schemas.openxmlformats.org/officeDocument/2006/relationships" xmlns:mc="http://schemas.openxmlformats.org/markup-compatibility/2006" xmlns:mv="urn:schemas-microsoft-com:mac:vml" xmlns:p="http://schemas.openxmlformats.org/presentationml/2006/main" xmlns:c="http://schemas.openxmlformats.org/drawingml/2006/chart" xmlns:dgm="http://schemas.openxmlformats.org/drawingml/2006/diagram" xmlns:o="urn:schemas-microsoft-com:office:office" xmlns:v="urn:schemas-microsoft-com:vml" xmlns:pvml="urn:schemas-microsoft-com:office:powerpoint" xmlns:com="http://schemas.openxmlformats.org/drawingml/2006/compatibility" xmlns:p14="http://schemas.microsoft.com/office/powerpoint/2010/main" xmlns:p15="http://schemas.microsoft.com/office/powerpoint/2012/main" xmlns:ahyp="http://schemas.microsoft.com/office/drawing/2018/hyperlinkcolor" matchingName="Три колонки">
   <p:cSld name="Три колонки">
     <p:spTree>
       <p:nvGrpSpPr>
@@ -10060,7 +10160,7 @@
 </file>
 
 <file path=ppt/slideLayouts/slideLayout15.xml><?xml version="1.0" encoding="utf-8"?>
-<p:sldLayout xmlns:a="http://schemas.openxmlformats.org/drawingml/2006/main" xmlns:r="http://schemas.openxmlformats.org/officeDocument/2006/relationships" xmlns:mc="http://schemas.openxmlformats.org/markup-compatibility/2006" xmlns:mv="urn:schemas-microsoft-com:mac:vml" xmlns:p="http://schemas.openxmlformats.org/presentationml/2006/main" xmlns:c="http://schemas.openxmlformats.org/drawingml/2006/chart" xmlns:dgm="http://schemas.openxmlformats.org/drawingml/2006/diagram" xmlns:o="urn:schemas-microsoft-com:office:office" xmlns:v="urn:schemas-microsoft-com:vml" xmlns:pvml="urn:schemas-microsoft-com:office:powerpoint" xmlns:com="http://schemas.openxmlformats.org/drawingml/2006/compatibility" xmlns:p14="http://schemas.microsoft.com/office/powerpoint/2010/main" xmlns:p15="http://schemas.microsoft.com/office/powerpoint/2012/main" matchingName="Столбец с тремя рисунками">
+<p:sldLayout xmlns:a="http://schemas.openxmlformats.org/drawingml/2006/main" xmlns:r="http://schemas.openxmlformats.org/officeDocument/2006/relationships" xmlns:mc="http://schemas.openxmlformats.org/markup-compatibility/2006" xmlns:mv="urn:schemas-microsoft-com:mac:vml" xmlns:p="http://schemas.openxmlformats.org/presentationml/2006/main" xmlns:c="http://schemas.openxmlformats.org/drawingml/2006/chart" xmlns:dgm="http://schemas.openxmlformats.org/drawingml/2006/diagram" xmlns:o="urn:schemas-microsoft-com:office:office" xmlns:v="urn:schemas-microsoft-com:vml" xmlns:pvml="urn:schemas-microsoft-com:office:powerpoint" xmlns:com="http://schemas.openxmlformats.org/drawingml/2006/compatibility" xmlns:p14="http://schemas.microsoft.com/office/powerpoint/2010/main" xmlns:p15="http://schemas.microsoft.com/office/powerpoint/2012/main" xmlns:ahyp="http://schemas.microsoft.com/office/drawing/2018/hyperlinkcolor" matchingName="Столбец с тремя рисунками">
   <p:cSld name="Столбец с тремя рисунками">
     <p:spTree>
       <p:nvGrpSpPr>
@@ -12164,7 +12264,7 @@
 </file>
 
 <file path=ppt/slideLayouts/slideLayout16.xml><?xml version="1.0" encoding="utf-8"?>
-<p:sldLayout xmlns:a="http://schemas.openxmlformats.org/drawingml/2006/main" xmlns:r="http://schemas.openxmlformats.org/officeDocument/2006/relationships" xmlns:mc="http://schemas.openxmlformats.org/markup-compatibility/2006" xmlns:mv="urn:schemas-microsoft-com:mac:vml" xmlns:p="http://schemas.openxmlformats.org/presentationml/2006/main" xmlns:c="http://schemas.openxmlformats.org/drawingml/2006/chart" xmlns:dgm="http://schemas.openxmlformats.org/drawingml/2006/diagram" xmlns:o="urn:schemas-microsoft-com:office:office" xmlns:v="urn:schemas-microsoft-com:vml" xmlns:pvml="urn:schemas-microsoft-com:office:powerpoint" xmlns:com="http://schemas.openxmlformats.org/drawingml/2006/compatibility" xmlns:p14="http://schemas.microsoft.com/office/powerpoint/2010/main" xmlns:p15="http://schemas.microsoft.com/office/powerpoint/2012/main" matchingName="Заголовок и вертикальный текст" type="vertTx">
+<p:sldLayout xmlns:a="http://schemas.openxmlformats.org/drawingml/2006/main" xmlns:r="http://schemas.openxmlformats.org/officeDocument/2006/relationships" xmlns:mc="http://schemas.openxmlformats.org/markup-compatibility/2006" xmlns:mv="urn:schemas-microsoft-com:mac:vml" xmlns:p="http://schemas.openxmlformats.org/presentationml/2006/main" xmlns:c="http://schemas.openxmlformats.org/drawingml/2006/chart" xmlns:dgm="http://schemas.openxmlformats.org/drawingml/2006/diagram" xmlns:o="urn:schemas-microsoft-com:office:office" xmlns:v="urn:schemas-microsoft-com:vml" xmlns:pvml="urn:schemas-microsoft-com:office:powerpoint" xmlns:com="http://schemas.openxmlformats.org/drawingml/2006/compatibility" xmlns:p14="http://schemas.microsoft.com/office/powerpoint/2010/main" xmlns:p15="http://schemas.microsoft.com/office/powerpoint/2012/main" xmlns:ahyp="http://schemas.microsoft.com/office/drawing/2018/hyperlinkcolor" matchingName="Заголовок и вертикальный текст" type="vertTx">
   <p:cSld name="VERTICAL_TEXT">
     <p:spTree>
       <p:nvGrpSpPr>
@@ -12816,7 +12916,7 @@
 </file>
 
 <file path=ppt/slideLayouts/slideLayout17.xml><?xml version="1.0" encoding="utf-8"?>
-<p:sldLayout xmlns:a="http://schemas.openxmlformats.org/drawingml/2006/main" xmlns:r="http://schemas.openxmlformats.org/officeDocument/2006/relationships" xmlns:mc="http://schemas.openxmlformats.org/markup-compatibility/2006" xmlns:mv="urn:schemas-microsoft-com:mac:vml" xmlns:p="http://schemas.openxmlformats.org/presentationml/2006/main" xmlns:c="http://schemas.openxmlformats.org/drawingml/2006/chart" xmlns:dgm="http://schemas.openxmlformats.org/drawingml/2006/diagram" xmlns:o="urn:schemas-microsoft-com:office:office" xmlns:v="urn:schemas-microsoft-com:vml" xmlns:pvml="urn:schemas-microsoft-com:office:powerpoint" xmlns:com="http://schemas.openxmlformats.org/drawingml/2006/compatibility" xmlns:p14="http://schemas.microsoft.com/office/powerpoint/2010/main" xmlns:p15="http://schemas.microsoft.com/office/powerpoint/2012/main" matchingName="Вертикальный заголовок и текст" showMasterSp="0" type="vertTitleAndTx">
+<p:sldLayout xmlns:a="http://schemas.openxmlformats.org/drawingml/2006/main" xmlns:r="http://schemas.openxmlformats.org/officeDocument/2006/relationships" xmlns:mc="http://schemas.openxmlformats.org/markup-compatibility/2006" xmlns:mv="urn:schemas-microsoft-com:mac:vml" xmlns:p="http://schemas.openxmlformats.org/presentationml/2006/main" xmlns:c="http://schemas.openxmlformats.org/drawingml/2006/chart" xmlns:dgm="http://schemas.openxmlformats.org/drawingml/2006/diagram" xmlns:o="urn:schemas-microsoft-com:office:office" xmlns:v="urn:schemas-microsoft-com:vml" xmlns:pvml="urn:schemas-microsoft-com:office:powerpoint" xmlns:com="http://schemas.openxmlformats.org/drawingml/2006/compatibility" xmlns:p14="http://schemas.microsoft.com/office/powerpoint/2010/main" xmlns:p15="http://schemas.microsoft.com/office/powerpoint/2012/main" xmlns:ahyp="http://schemas.microsoft.com/office/drawing/2018/hyperlinkcolor" matchingName="Вертикальный заголовок и текст" showMasterSp="0" type="vertTitleAndTx">
   <p:cSld name="VERTICAL_TITLE_AND_VERTICAL_TEXT">
     <p:spTree>
       <p:nvGrpSpPr>
@@ -14366,7 +14466,7 @@
 </file>
 
 <file path=ppt/slideLayouts/slideLayout2.xml><?xml version="1.0" encoding="utf-8"?>
-<p:sldLayout xmlns:a="http://schemas.openxmlformats.org/drawingml/2006/main" xmlns:r="http://schemas.openxmlformats.org/officeDocument/2006/relationships" xmlns:mc="http://schemas.openxmlformats.org/markup-compatibility/2006" xmlns:mv="urn:schemas-microsoft-com:mac:vml" xmlns:p="http://schemas.openxmlformats.org/presentationml/2006/main" xmlns:c="http://schemas.openxmlformats.org/drawingml/2006/chart" xmlns:dgm="http://schemas.openxmlformats.org/drawingml/2006/diagram" xmlns:o="urn:schemas-microsoft-com:office:office" xmlns:v="urn:schemas-microsoft-com:vml" xmlns:pvml="urn:schemas-microsoft-com:office:powerpoint" xmlns:com="http://schemas.openxmlformats.org/drawingml/2006/compatibility" xmlns:p14="http://schemas.microsoft.com/office/powerpoint/2010/main" xmlns:p15="http://schemas.microsoft.com/office/powerpoint/2012/main" matchingName="Титульный слайд" showMasterSp="0" type="title">
+<p:sldLayout xmlns:a="http://schemas.openxmlformats.org/drawingml/2006/main" xmlns:r="http://schemas.openxmlformats.org/officeDocument/2006/relationships" xmlns:mc="http://schemas.openxmlformats.org/markup-compatibility/2006" xmlns:mv="urn:schemas-microsoft-com:mac:vml" xmlns:p="http://schemas.openxmlformats.org/presentationml/2006/main" xmlns:c="http://schemas.openxmlformats.org/drawingml/2006/chart" xmlns:dgm="http://schemas.openxmlformats.org/drawingml/2006/diagram" xmlns:o="urn:schemas-microsoft-com:office:office" xmlns:v="urn:schemas-microsoft-com:vml" xmlns:pvml="urn:schemas-microsoft-com:office:powerpoint" xmlns:com="http://schemas.openxmlformats.org/drawingml/2006/compatibility" xmlns:p14="http://schemas.microsoft.com/office/powerpoint/2010/main" xmlns:p15="http://schemas.microsoft.com/office/powerpoint/2012/main" xmlns:ahyp="http://schemas.microsoft.com/office/drawing/2018/hyperlinkcolor" matchingName="Титульный слайд" showMasterSp="0" type="title">
   <p:cSld name="TITLE">
     <p:spTree>
       <p:nvGrpSpPr>
@@ -15234,7 +15334,7 @@
 </file>
 
 <file path=ppt/slideLayouts/slideLayout3.xml><?xml version="1.0" encoding="utf-8"?>
-<p:sldLayout xmlns:a="http://schemas.openxmlformats.org/drawingml/2006/main" xmlns:r="http://schemas.openxmlformats.org/officeDocument/2006/relationships" xmlns:mc="http://schemas.openxmlformats.org/markup-compatibility/2006" xmlns:mv="urn:schemas-microsoft-com:mac:vml" xmlns:p="http://schemas.openxmlformats.org/presentationml/2006/main" xmlns:c="http://schemas.openxmlformats.org/drawingml/2006/chart" xmlns:dgm="http://schemas.openxmlformats.org/drawingml/2006/diagram" xmlns:o="urn:schemas-microsoft-com:office:office" xmlns:v="urn:schemas-microsoft-com:vml" xmlns:pvml="urn:schemas-microsoft-com:office:powerpoint" xmlns:com="http://schemas.openxmlformats.org/drawingml/2006/compatibility" xmlns:p14="http://schemas.microsoft.com/office/powerpoint/2010/main" xmlns:p15="http://schemas.microsoft.com/office/powerpoint/2012/main" matchingName="Заголовок и объект" type="obj">
+<p:sldLayout xmlns:a="http://schemas.openxmlformats.org/drawingml/2006/main" xmlns:r="http://schemas.openxmlformats.org/officeDocument/2006/relationships" xmlns:mc="http://schemas.openxmlformats.org/markup-compatibility/2006" xmlns:mv="urn:schemas-microsoft-com:mac:vml" xmlns:p="http://schemas.openxmlformats.org/presentationml/2006/main" xmlns:c="http://schemas.openxmlformats.org/drawingml/2006/chart" xmlns:dgm="http://schemas.openxmlformats.org/drawingml/2006/diagram" xmlns:o="urn:schemas-microsoft-com:office:office" xmlns:v="urn:schemas-microsoft-com:vml" xmlns:pvml="urn:schemas-microsoft-com:office:powerpoint" xmlns:com="http://schemas.openxmlformats.org/drawingml/2006/compatibility" xmlns:p14="http://schemas.microsoft.com/office/powerpoint/2010/main" xmlns:p15="http://schemas.microsoft.com/office/powerpoint/2012/main" xmlns:ahyp="http://schemas.microsoft.com/office/drawing/2018/hyperlinkcolor" matchingName="Заголовок и объект" type="obj">
   <p:cSld name="OBJECT">
     <p:spTree>
       <p:nvGrpSpPr>
@@ -15886,7 +15986,7 @@
 </file>
 
 <file path=ppt/slideLayouts/slideLayout4.xml><?xml version="1.0" encoding="utf-8"?>
-<p:sldLayout xmlns:a="http://schemas.openxmlformats.org/drawingml/2006/main" xmlns:r="http://schemas.openxmlformats.org/officeDocument/2006/relationships" xmlns:mc="http://schemas.openxmlformats.org/markup-compatibility/2006" xmlns:mv="urn:schemas-microsoft-com:mac:vml" xmlns:p="http://schemas.openxmlformats.org/presentationml/2006/main" xmlns:c="http://schemas.openxmlformats.org/drawingml/2006/chart" xmlns:dgm="http://schemas.openxmlformats.org/drawingml/2006/diagram" xmlns:o="urn:schemas-microsoft-com:office:office" xmlns:v="urn:schemas-microsoft-com:vml" xmlns:pvml="urn:schemas-microsoft-com:office:powerpoint" xmlns:com="http://schemas.openxmlformats.org/drawingml/2006/compatibility" xmlns:p14="http://schemas.microsoft.com/office/powerpoint/2010/main" xmlns:p15="http://schemas.microsoft.com/office/powerpoint/2012/main" matchingName="Заголовок раздела" showMasterSp="0" type="secHead">
+<p:sldLayout xmlns:a="http://schemas.openxmlformats.org/drawingml/2006/main" xmlns:r="http://schemas.openxmlformats.org/officeDocument/2006/relationships" xmlns:mc="http://schemas.openxmlformats.org/markup-compatibility/2006" xmlns:mv="urn:schemas-microsoft-com:mac:vml" xmlns:p="http://schemas.openxmlformats.org/presentationml/2006/main" xmlns:c="http://schemas.openxmlformats.org/drawingml/2006/chart" xmlns:dgm="http://schemas.openxmlformats.org/drawingml/2006/diagram" xmlns:o="urn:schemas-microsoft-com:office:office" xmlns:v="urn:schemas-microsoft-com:vml" xmlns:pvml="urn:schemas-microsoft-com:office:powerpoint" xmlns:com="http://schemas.openxmlformats.org/drawingml/2006/compatibility" xmlns:p14="http://schemas.microsoft.com/office/powerpoint/2010/main" xmlns:p15="http://schemas.microsoft.com/office/powerpoint/2012/main" xmlns:ahyp="http://schemas.microsoft.com/office/drawing/2018/hyperlinkcolor" matchingName="Заголовок раздела" showMasterSp="0" type="secHead">
   <p:cSld name="SECTION_HEADER">
     <p:spTree>
       <p:nvGrpSpPr>
@@ -17473,7 +17573,7 @@
 </file>
 
 <file path=ppt/slideLayouts/slideLayout5.xml><?xml version="1.0" encoding="utf-8"?>
-<p:sldLayout xmlns:a="http://schemas.openxmlformats.org/drawingml/2006/main" xmlns:r="http://schemas.openxmlformats.org/officeDocument/2006/relationships" xmlns:mc="http://schemas.openxmlformats.org/markup-compatibility/2006" xmlns:mv="urn:schemas-microsoft-com:mac:vml" xmlns:p="http://schemas.openxmlformats.org/presentationml/2006/main" xmlns:c="http://schemas.openxmlformats.org/drawingml/2006/chart" xmlns:dgm="http://schemas.openxmlformats.org/drawingml/2006/diagram" xmlns:o="urn:schemas-microsoft-com:office:office" xmlns:v="urn:schemas-microsoft-com:vml" xmlns:pvml="urn:schemas-microsoft-com:office:powerpoint" xmlns:com="http://schemas.openxmlformats.org/drawingml/2006/compatibility" xmlns:p14="http://schemas.microsoft.com/office/powerpoint/2010/main" xmlns:p15="http://schemas.microsoft.com/office/powerpoint/2012/main" matchingName="Два объекта" type="twoObj">
+<p:sldLayout xmlns:a="http://schemas.openxmlformats.org/drawingml/2006/main" xmlns:r="http://schemas.openxmlformats.org/officeDocument/2006/relationships" xmlns:mc="http://schemas.openxmlformats.org/markup-compatibility/2006" xmlns:mv="urn:schemas-microsoft-com:mac:vml" xmlns:p="http://schemas.openxmlformats.org/presentationml/2006/main" xmlns:c="http://schemas.openxmlformats.org/drawingml/2006/chart" xmlns:dgm="http://schemas.openxmlformats.org/drawingml/2006/diagram" xmlns:o="urn:schemas-microsoft-com:office:office" xmlns:v="urn:schemas-microsoft-com:vml" xmlns:pvml="urn:schemas-microsoft-com:office:powerpoint" xmlns:com="http://schemas.openxmlformats.org/drawingml/2006/compatibility" xmlns:p14="http://schemas.microsoft.com/office/powerpoint/2010/main" xmlns:p15="http://schemas.microsoft.com/office/powerpoint/2012/main" xmlns:ahyp="http://schemas.microsoft.com/office/drawing/2018/hyperlinkcolor" matchingName="Два объекта" type="twoObj">
   <p:cSld name="TWO_OBJECTS">
     <p:spTree>
       <p:nvGrpSpPr>
@@ -18254,7 +18354,7 @@
 </file>
 
 <file path=ppt/slideLayouts/slideLayout6.xml><?xml version="1.0" encoding="utf-8"?>
-<p:sldLayout xmlns:a="http://schemas.openxmlformats.org/drawingml/2006/main" xmlns:r="http://schemas.openxmlformats.org/officeDocument/2006/relationships" xmlns:mc="http://schemas.openxmlformats.org/markup-compatibility/2006" xmlns:mv="urn:schemas-microsoft-com:mac:vml" xmlns:p="http://schemas.openxmlformats.org/presentationml/2006/main" xmlns:c="http://schemas.openxmlformats.org/drawingml/2006/chart" xmlns:dgm="http://schemas.openxmlformats.org/drawingml/2006/diagram" xmlns:o="urn:schemas-microsoft-com:office:office" xmlns:v="urn:schemas-microsoft-com:vml" xmlns:pvml="urn:schemas-microsoft-com:office:powerpoint" xmlns:com="http://schemas.openxmlformats.org/drawingml/2006/compatibility" xmlns:p14="http://schemas.microsoft.com/office/powerpoint/2010/main" xmlns:p15="http://schemas.microsoft.com/office/powerpoint/2012/main" matchingName="Сравнение" type="twoTxTwoObj">
+<p:sldLayout xmlns:a="http://schemas.openxmlformats.org/drawingml/2006/main" xmlns:r="http://schemas.openxmlformats.org/officeDocument/2006/relationships" xmlns:mc="http://schemas.openxmlformats.org/markup-compatibility/2006" xmlns:mv="urn:schemas-microsoft-com:mac:vml" xmlns:p="http://schemas.openxmlformats.org/presentationml/2006/main" xmlns:c="http://schemas.openxmlformats.org/drawingml/2006/chart" xmlns:dgm="http://schemas.openxmlformats.org/drawingml/2006/diagram" xmlns:o="urn:schemas-microsoft-com:office:office" xmlns:v="urn:schemas-microsoft-com:vml" xmlns:pvml="urn:schemas-microsoft-com:office:powerpoint" xmlns:com="http://schemas.openxmlformats.org/drawingml/2006/compatibility" xmlns:p14="http://schemas.microsoft.com/office/powerpoint/2010/main" xmlns:p15="http://schemas.microsoft.com/office/powerpoint/2012/main" xmlns:ahyp="http://schemas.microsoft.com/office/drawing/2018/hyperlinkcolor" matchingName="Сравнение" type="twoTxTwoObj">
   <p:cSld name="TWO_OBJECTS_WITH_TEXT">
     <p:spTree>
       <p:nvGrpSpPr>
@@ -19302,7 +19402,7 @@
 </file>
 
 <file path=ppt/slideLayouts/slideLayout7.xml><?xml version="1.0" encoding="utf-8"?>
-<p:sldLayout xmlns:a="http://schemas.openxmlformats.org/drawingml/2006/main" xmlns:r="http://schemas.openxmlformats.org/officeDocument/2006/relationships" xmlns:mc="http://schemas.openxmlformats.org/markup-compatibility/2006" xmlns:mv="urn:schemas-microsoft-com:mac:vml" xmlns:p="http://schemas.openxmlformats.org/presentationml/2006/main" xmlns:c="http://schemas.openxmlformats.org/drawingml/2006/chart" xmlns:dgm="http://schemas.openxmlformats.org/drawingml/2006/diagram" xmlns:o="urn:schemas-microsoft-com:office:office" xmlns:v="urn:schemas-microsoft-com:vml" xmlns:pvml="urn:schemas-microsoft-com:office:powerpoint" xmlns:com="http://schemas.openxmlformats.org/drawingml/2006/compatibility" xmlns:p14="http://schemas.microsoft.com/office/powerpoint/2010/main" xmlns:p15="http://schemas.microsoft.com/office/powerpoint/2012/main" matchingName="Только заголовок" type="titleOnly">
+<p:sldLayout xmlns:a="http://schemas.openxmlformats.org/drawingml/2006/main" xmlns:r="http://schemas.openxmlformats.org/officeDocument/2006/relationships" xmlns:mc="http://schemas.openxmlformats.org/markup-compatibility/2006" xmlns:mv="urn:schemas-microsoft-com:mac:vml" xmlns:p="http://schemas.openxmlformats.org/presentationml/2006/main" xmlns:c="http://schemas.openxmlformats.org/drawingml/2006/chart" xmlns:dgm="http://schemas.openxmlformats.org/drawingml/2006/diagram" xmlns:o="urn:schemas-microsoft-com:office:office" xmlns:v="urn:schemas-microsoft-com:vml" xmlns:pvml="urn:schemas-microsoft-com:office:powerpoint" xmlns:com="http://schemas.openxmlformats.org/drawingml/2006/compatibility" xmlns:p14="http://schemas.microsoft.com/office/powerpoint/2010/main" xmlns:p15="http://schemas.microsoft.com/office/powerpoint/2012/main" xmlns:ahyp="http://schemas.microsoft.com/office/drawing/2018/hyperlinkcolor" matchingName="Только заголовок" type="titleOnly">
   <p:cSld name="TITLE_ONLY">
     <p:spTree>
       <p:nvGrpSpPr>
@@ -19826,7 +19926,7 @@
 </file>
 
 <file path=ppt/slideLayouts/slideLayout8.xml><?xml version="1.0" encoding="utf-8"?>
-<p:sldLayout xmlns:a="http://schemas.openxmlformats.org/drawingml/2006/main" xmlns:r="http://schemas.openxmlformats.org/officeDocument/2006/relationships" xmlns:mc="http://schemas.openxmlformats.org/markup-compatibility/2006" xmlns:mv="urn:schemas-microsoft-com:mac:vml" xmlns:p="http://schemas.openxmlformats.org/presentationml/2006/main" xmlns:c="http://schemas.openxmlformats.org/drawingml/2006/chart" xmlns:dgm="http://schemas.openxmlformats.org/drawingml/2006/diagram" xmlns:o="urn:schemas-microsoft-com:office:office" xmlns:v="urn:schemas-microsoft-com:vml" xmlns:pvml="urn:schemas-microsoft-com:office:powerpoint" xmlns:com="http://schemas.openxmlformats.org/drawingml/2006/compatibility" xmlns:p14="http://schemas.microsoft.com/office/powerpoint/2010/main" xmlns:p15="http://schemas.microsoft.com/office/powerpoint/2012/main" matchingName="Объект с подписью" showMasterSp="0" type="objTx">
+<p:sldLayout xmlns:a="http://schemas.openxmlformats.org/drawingml/2006/main" xmlns:r="http://schemas.openxmlformats.org/officeDocument/2006/relationships" xmlns:mc="http://schemas.openxmlformats.org/markup-compatibility/2006" xmlns:mv="urn:schemas-microsoft-com:mac:vml" xmlns:p="http://schemas.openxmlformats.org/presentationml/2006/main" xmlns:c="http://schemas.openxmlformats.org/drawingml/2006/chart" xmlns:dgm="http://schemas.openxmlformats.org/drawingml/2006/diagram" xmlns:o="urn:schemas-microsoft-com:office:office" xmlns:v="urn:schemas-microsoft-com:vml" xmlns:pvml="urn:schemas-microsoft-com:office:powerpoint" xmlns:com="http://schemas.openxmlformats.org/drawingml/2006/compatibility" xmlns:p14="http://schemas.microsoft.com/office/powerpoint/2010/main" xmlns:p15="http://schemas.microsoft.com/office/powerpoint/2012/main" xmlns:ahyp="http://schemas.microsoft.com/office/drawing/2018/hyperlinkcolor" matchingName="Объект с подписью" showMasterSp="0" type="objTx">
   <p:cSld name="OBJECT_WITH_CAPTION_TEXT">
     <p:spTree>
       <p:nvGrpSpPr>
@@ -21510,7 +21610,7 @@
 </file>
 
 <file path=ppt/slideLayouts/slideLayout9.xml><?xml version="1.0" encoding="utf-8"?>
-<p:sldLayout xmlns:a="http://schemas.openxmlformats.org/drawingml/2006/main" xmlns:r="http://schemas.openxmlformats.org/officeDocument/2006/relationships" xmlns:mc="http://schemas.openxmlformats.org/markup-compatibility/2006" xmlns:mv="urn:schemas-microsoft-com:mac:vml" xmlns:p="http://schemas.openxmlformats.org/presentationml/2006/main" xmlns:c="http://schemas.openxmlformats.org/drawingml/2006/chart" xmlns:dgm="http://schemas.openxmlformats.org/drawingml/2006/diagram" xmlns:o="urn:schemas-microsoft-com:office:office" xmlns:v="urn:schemas-microsoft-com:vml" xmlns:pvml="urn:schemas-microsoft-com:office:powerpoint" xmlns:com="http://schemas.openxmlformats.org/drawingml/2006/compatibility" xmlns:p14="http://schemas.microsoft.com/office/powerpoint/2010/main" xmlns:p15="http://schemas.microsoft.com/office/powerpoint/2012/main" matchingName="Рисунок с подписью" showMasterSp="0" type="picTx">
+<p:sldLayout xmlns:a="http://schemas.openxmlformats.org/drawingml/2006/main" xmlns:r="http://schemas.openxmlformats.org/officeDocument/2006/relationships" xmlns:mc="http://schemas.openxmlformats.org/markup-compatibility/2006" xmlns:mv="urn:schemas-microsoft-com:mac:vml" xmlns:p="http://schemas.openxmlformats.org/presentationml/2006/main" xmlns:c="http://schemas.openxmlformats.org/drawingml/2006/chart" xmlns:dgm="http://schemas.openxmlformats.org/drawingml/2006/diagram" xmlns:o="urn:schemas-microsoft-com:office:office" xmlns:v="urn:schemas-microsoft-com:vml" xmlns:pvml="urn:schemas-microsoft-com:office:powerpoint" xmlns:com="http://schemas.openxmlformats.org/drawingml/2006/compatibility" xmlns:p14="http://schemas.microsoft.com/office/powerpoint/2010/main" xmlns:p15="http://schemas.microsoft.com/office/powerpoint/2012/main" xmlns:ahyp="http://schemas.microsoft.com/office/drawing/2018/hyperlinkcolor" matchingName="Рисунок с подписью" showMasterSp="0" type="picTx">
   <p:cSld name="PICTURE_WITH_CAPTION_TEXT">
     <p:spTree>
       <p:nvGrpSpPr>
@@ -23311,7 +23411,7 @@
 </file>
 
 <file path=ppt/slideMasters/slideMaster1.xml><?xml version="1.0" encoding="utf-8"?>
-<p:sldMaster xmlns:a="http://schemas.openxmlformats.org/drawingml/2006/main" xmlns:r="http://schemas.openxmlformats.org/officeDocument/2006/relationships" xmlns:mc="http://schemas.openxmlformats.org/markup-compatibility/2006" xmlns:mv="urn:schemas-microsoft-com:mac:vml" xmlns:p="http://schemas.openxmlformats.org/presentationml/2006/main" xmlns:c="http://schemas.openxmlformats.org/drawingml/2006/chart" xmlns:dgm="http://schemas.openxmlformats.org/drawingml/2006/diagram" xmlns:o="urn:schemas-microsoft-com:office:office" xmlns:v="urn:schemas-microsoft-com:vml" xmlns:pvml="urn:schemas-microsoft-com:office:powerpoint" xmlns:com="http://schemas.openxmlformats.org/drawingml/2006/compatibility" xmlns:p14="http://schemas.microsoft.com/office/powerpoint/2010/main" xmlns:p15="http://schemas.microsoft.com/office/powerpoint/2012/main">
+<p:sldMaster xmlns:a="http://schemas.openxmlformats.org/drawingml/2006/main" xmlns:r="http://schemas.openxmlformats.org/officeDocument/2006/relationships" xmlns:mc="http://schemas.openxmlformats.org/markup-compatibility/2006" xmlns:mv="urn:schemas-microsoft-com:mac:vml" xmlns:p="http://schemas.openxmlformats.org/presentationml/2006/main" xmlns:c="http://schemas.openxmlformats.org/drawingml/2006/chart" xmlns:dgm="http://schemas.openxmlformats.org/drawingml/2006/diagram" xmlns:o="urn:schemas-microsoft-com:office:office" xmlns:v="urn:schemas-microsoft-com:vml" xmlns:pvml="urn:schemas-microsoft-com:office:powerpoint" xmlns:com="http://schemas.openxmlformats.org/drawingml/2006/compatibility" xmlns:p14="http://schemas.microsoft.com/office/powerpoint/2010/main" xmlns:p15="http://schemas.microsoft.com/office/powerpoint/2012/main" xmlns:ahyp="http://schemas.microsoft.com/office/drawing/2018/hyperlinkcolor">
   <p:cSld>
     <p:bg>
       <p:bgPr>
@@ -25897,7 +25997,7 @@
 </file>
 
 <file path=ppt/slides/slide1.xml><?xml version="1.0" encoding="utf-8"?>
-<p:sld xmlns:a="http://schemas.openxmlformats.org/drawingml/2006/main" xmlns:r="http://schemas.openxmlformats.org/officeDocument/2006/relationships" xmlns:mc="http://schemas.openxmlformats.org/markup-compatibility/2006" xmlns:mv="urn:schemas-microsoft-com:mac:vml" xmlns:p="http://schemas.openxmlformats.org/presentationml/2006/main" xmlns:c="http://schemas.openxmlformats.org/drawingml/2006/chart" xmlns:dgm="http://schemas.openxmlformats.org/drawingml/2006/diagram" xmlns:o="urn:schemas-microsoft-com:office:office" xmlns:v="urn:schemas-microsoft-com:vml" xmlns:pvml="urn:schemas-microsoft-com:office:powerpoint" xmlns:com="http://schemas.openxmlformats.org/drawingml/2006/compatibility" xmlns:p14="http://schemas.microsoft.com/office/powerpoint/2010/main" xmlns:p15="http://schemas.microsoft.com/office/powerpoint/2012/main">
+<p:sld xmlns:a="http://schemas.openxmlformats.org/drawingml/2006/main" xmlns:r="http://schemas.openxmlformats.org/officeDocument/2006/relationships" xmlns:mc="http://schemas.openxmlformats.org/markup-compatibility/2006" xmlns:mv="urn:schemas-microsoft-com:mac:vml" xmlns:p="http://schemas.openxmlformats.org/presentationml/2006/main" xmlns:c="http://schemas.openxmlformats.org/drawingml/2006/chart" xmlns:dgm="http://schemas.openxmlformats.org/drawingml/2006/diagram" xmlns:o="urn:schemas-microsoft-com:office:office" xmlns:v="urn:schemas-microsoft-com:vml" xmlns:pvml="urn:schemas-microsoft-com:office:powerpoint" xmlns:com="http://schemas.openxmlformats.org/drawingml/2006/compatibility" xmlns:p14="http://schemas.microsoft.com/office/powerpoint/2010/main" xmlns:p15="http://schemas.microsoft.com/office/powerpoint/2012/main" xmlns:ahyp="http://schemas.microsoft.com/office/drawing/2018/hyperlinkcolor">
   <p:cSld>
     <p:spTree>
       <p:nvGrpSpPr>
@@ -25949,11 +26049,11 @@
 </file>
 
 <file path=ppt/slides/slide10.xml><?xml version="1.0" encoding="utf-8"?>
-<p:sld xmlns:a="http://schemas.openxmlformats.org/drawingml/2006/main" xmlns:r="http://schemas.openxmlformats.org/officeDocument/2006/relationships" xmlns:mc="http://schemas.openxmlformats.org/markup-compatibility/2006" xmlns:mv="urn:schemas-microsoft-com:mac:vml" xmlns:p="http://schemas.openxmlformats.org/presentationml/2006/main" xmlns:c="http://schemas.openxmlformats.org/drawingml/2006/chart" xmlns:dgm="http://schemas.openxmlformats.org/drawingml/2006/diagram" xmlns:o="urn:schemas-microsoft-com:office:office" xmlns:v="urn:schemas-microsoft-com:vml" xmlns:pvml="urn:schemas-microsoft-com:office:powerpoint" xmlns:com="http://schemas.openxmlformats.org/drawingml/2006/compatibility" xmlns:p14="http://schemas.microsoft.com/office/powerpoint/2010/main" xmlns:p15="http://schemas.microsoft.com/office/powerpoint/2012/main">
+<p:sld xmlns:a="http://schemas.openxmlformats.org/drawingml/2006/main" xmlns:r="http://schemas.openxmlformats.org/officeDocument/2006/relationships" xmlns:mc="http://schemas.openxmlformats.org/markup-compatibility/2006" xmlns:mv="urn:schemas-microsoft-com:mac:vml" xmlns:p="http://schemas.openxmlformats.org/presentationml/2006/main" xmlns:c="http://schemas.openxmlformats.org/drawingml/2006/chart" xmlns:dgm="http://schemas.openxmlformats.org/drawingml/2006/diagram" xmlns:o="urn:schemas-microsoft-com:office:office" xmlns:v="urn:schemas-microsoft-com:vml" xmlns:pvml="urn:schemas-microsoft-com:office:powerpoint" xmlns:com="http://schemas.openxmlformats.org/drawingml/2006/compatibility" xmlns:p14="http://schemas.microsoft.com/office/powerpoint/2010/main" xmlns:p15="http://schemas.microsoft.com/office/powerpoint/2012/main" xmlns:ahyp="http://schemas.microsoft.com/office/drawing/2018/hyperlinkcolor">
   <p:cSld>
     <p:spTree>
       <p:nvGrpSpPr>
-        <p:cNvPr id="301" name="Shape 301"/>
+        <p:cNvPr id="300" name="Shape 300"/>
         <p:cNvGrpSpPr/>
         <p:nvPr/>
       </p:nvGrpSpPr>
@@ -25967,7 +26067,7 @@
       </p:grpSpPr>
       <p:sp>
         <p:nvSpPr>
-          <p:cNvPr id="302" name="Google Shape;302;p10"/>
+          <p:cNvPr id="301" name="Google Shape;301;p10"/>
           <p:cNvSpPr/>
           <p:nvPr/>
         </p:nvSpPr>
@@ -26126,12 +26226,12 @@
 </p:sld>
 </file>
 
-<file path=ppt/slides/slide2.xml><?xml version="1.0" encoding="utf-8"?>
-<p:sld xmlns:a="http://schemas.openxmlformats.org/drawingml/2006/main" xmlns:r="http://schemas.openxmlformats.org/officeDocument/2006/relationships" xmlns:mc="http://schemas.openxmlformats.org/markup-compatibility/2006" xmlns:mv="urn:schemas-microsoft-com:mac:vml" xmlns:p="http://schemas.openxmlformats.org/presentationml/2006/main" xmlns:c="http://schemas.openxmlformats.org/drawingml/2006/chart" xmlns:dgm="http://schemas.openxmlformats.org/drawingml/2006/diagram" xmlns:o="urn:schemas-microsoft-com:office:office" xmlns:v="urn:schemas-microsoft-com:vml" xmlns:pvml="urn:schemas-microsoft-com:office:powerpoint" xmlns:com="http://schemas.openxmlformats.org/drawingml/2006/compatibility" xmlns:p14="http://schemas.microsoft.com/office/powerpoint/2010/main" xmlns:p15="http://schemas.microsoft.com/office/powerpoint/2012/main">
+<file path=ppt/slides/slide11.xml><?xml version="1.0" encoding="utf-8"?>
+<p:sld xmlns:a="http://schemas.openxmlformats.org/drawingml/2006/main" xmlns:r="http://schemas.openxmlformats.org/officeDocument/2006/relationships" xmlns:mc="http://schemas.openxmlformats.org/markup-compatibility/2006" xmlns:mv="urn:schemas-microsoft-com:mac:vml" xmlns:p="http://schemas.openxmlformats.org/presentationml/2006/main" xmlns:c="http://schemas.openxmlformats.org/drawingml/2006/chart" xmlns:dgm="http://schemas.openxmlformats.org/drawingml/2006/diagram" xmlns:o="urn:schemas-microsoft-com:office:office" xmlns:v="urn:schemas-microsoft-com:vml" xmlns:pvml="urn:schemas-microsoft-com:office:powerpoint" xmlns:com="http://schemas.openxmlformats.org/drawingml/2006/compatibility" xmlns:p14="http://schemas.microsoft.com/office/powerpoint/2010/main" xmlns:p15="http://schemas.microsoft.com/office/powerpoint/2012/main" xmlns:ahyp="http://schemas.microsoft.com/office/drawing/2018/hyperlinkcolor">
   <p:cSld>
     <p:spTree>
       <p:nvGrpSpPr>
-        <p:cNvPr id="253" name="Shape 253"/>
+        <p:cNvPr id="305" name="Shape 305"/>
         <p:cNvGrpSpPr/>
         <p:nvPr/>
       </p:nvGrpSpPr>
@@ -26145,514 +26245,7 @@
       </p:grpSpPr>
       <p:sp>
         <p:nvSpPr>
-          <p:cNvPr id="254" name="Google Shape;254;p2"/>
-          <p:cNvSpPr txBox="1"/>
-          <p:nvPr>
-            <p:ph idx="4294967295" type="body"/>
-          </p:nvPr>
-        </p:nvSpPr>
-        <p:spPr>
-          <a:xfrm>
-            <a:off x="513183" y="1549141"/>
-            <a:ext cx="10842172" cy="4049226"/>
-          </a:xfrm>
-          <a:prstGeom prst="rect">
-            <a:avLst/>
-          </a:prstGeom>
-          <a:noFill/>
-          <a:ln>
-            <a:noFill/>
-          </a:ln>
-        </p:spPr>
-        <p:txBody>
-          <a:bodyPr anchorCtr="0" anchor="t" bIns="45700" lIns="91425" spcFirstLastPara="1" rIns="91425" wrap="square" tIns="45700">
-            <a:normAutofit/>
-          </a:bodyPr>
-          <a:lstStyle/>
-          <a:p>
-            <a:pPr indent="-342900" lvl="0" marL="342900" rtl="0" algn="l">
-              <a:lnSpc>
-                <a:spcPct val="90000"/>
-              </a:lnSpc>
-              <a:spcBef>
-                <a:spcPts val="0"/>
-              </a:spcBef>
-              <a:spcAft>
-                <a:spcPts val="0"/>
-              </a:spcAft>
-              <a:buSzPts val="3256"/>
-              <a:buChar char="►"/>
-            </a:pPr>
-            <a:r>
-              <a:rPr lang="ru-RU" sz="4070"/>
-              <a:t>ImageIcon ii=</a:t>
-            </a:r>
-            <a:r>
-              <a:rPr b="1" lang="ru-RU" sz="4070"/>
-              <a:t>new</a:t>
-            </a:r>
-            <a:r>
-              <a:rPr lang="ru-RU" sz="4070"/>
-              <a:t> ImageIcon("путь к нашему файлу с расширением файла")</a:t>
-            </a:r>
-            <a:endParaRPr/>
-          </a:p>
-          <a:p>
-            <a:pPr indent="-342900" lvl="0" marL="342900" rtl="0" algn="l">
-              <a:lnSpc>
-                <a:spcPct val="90000"/>
-              </a:lnSpc>
-              <a:spcBef>
-                <a:spcPts val="1000"/>
-              </a:spcBef>
-              <a:spcAft>
-                <a:spcPts val="0"/>
-              </a:spcAft>
-              <a:buSzPts val="3256"/>
-              <a:buChar char="►"/>
-            </a:pPr>
-            <a:r>
-              <a:rPr lang="ru-RU" sz="4070"/>
-              <a:t>	Image img=ii.getImage();</a:t>
-            </a:r>
-            <a:endParaRPr sz="4070"/>
-          </a:p>
-          <a:p>
-            <a:pPr indent="0" lvl="0" marL="342900" rtl="0" algn="just">
-              <a:lnSpc>
-                <a:spcPct val="90000"/>
-              </a:lnSpc>
-              <a:spcBef>
-                <a:spcPts val="1000"/>
-              </a:spcBef>
-              <a:spcAft>
-                <a:spcPts val="0"/>
-              </a:spcAft>
-              <a:buSzPts val="3256"/>
-              <a:buNone/>
-            </a:pPr>
-            <a:r>
-              <a:t/>
-            </a:r>
-            <a:endParaRPr sz="4070"/>
-          </a:p>
-          <a:p>
-            <a:pPr indent="0" lvl="0" marL="342900" rtl="0" algn="l">
-              <a:lnSpc>
-                <a:spcPct val="90000"/>
-              </a:lnSpc>
-              <a:spcBef>
-                <a:spcPts val="0"/>
-              </a:spcBef>
-              <a:spcAft>
-                <a:spcPts val="0"/>
-              </a:spcAft>
-              <a:buSzPts val="3256"/>
-              <a:buNone/>
-            </a:pPr>
-            <a:r>
-              <a:rPr lang="ru-RU" sz="4070">
-                <a:solidFill>
-                  <a:srgbClr val="FF0000"/>
-                </a:solidFill>
-              </a:rPr>
-              <a:t> </a:t>
-            </a:r>
-            <a:endParaRPr sz="4070"/>
-          </a:p>
-          <a:p>
-            <a:pPr indent="0" lvl="0" marL="342900" rtl="0" algn="just">
-              <a:lnSpc>
-                <a:spcPct val="90000"/>
-              </a:lnSpc>
-              <a:spcBef>
-                <a:spcPts val="1000"/>
-              </a:spcBef>
-              <a:spcAft>
-                <a:spcPts val="0"/>
-              </a:spcAft>
-              <a:buSzPts val="3256"/>
-              <a:buNone/>
-            </a:pPr>
-            <a:r>
-              <a:t/>
-            </a:r>
-            <a:endParaRPr sz="4070">
-              <a:solidFill>
-                <a:srgbClr val="FF0000"/>
-              </a:solidFill>
-            </a:endParaRPr>
-          </a:p>
-        </p:txBody>
-      </p:sp>
-      <p:sp>
-        <p:nvSpPr>
-          <p:cNvPr id="255" name="Google Shape;255;p2"/>
-          <p:cNvSpPr txBox="1"/>
-          <p:nvPr>
-            <p:ph idx="4294967295" type="title"/>
-          </p:nvPr>
-        </p:nvSpPr>
-        <p:spPr>
-          <a:xfrm>
-            <a:off x="755781" y="450624"/>
-            <a:ext cx="8761413" cy="708025"/>
-          </a:xfrm>
-          <a:prstGeom prst="rect">
-            <a:avLst/>
-          </a:prstGeom>
-          <a:noFill/>
-          <a:ln>
-            <a:noFill/>
-          </a:ln>
-        </p:spPr>
-        <p:txBody>
-          <a:bodyPr anchorCtr="0" anchor="ctr" bIns="45700" lIns="91425" spcFirstLastPara="1" rIns="91425" wrap="square" tIns="45700">
-            <a:noAutofit/>
-          </a:bodyPr>
-          <a:lstStyle/>
-          <a:p>
-            <a:pPr indent="0" lvl="0" marL="0" rtl="0" algn="l">
-              <a:spcBef>
-                <a:spcPts val="0"/>
-              </a:spcBef>
-              <a:spcAft>
-                <a:spcPts val="0"/>
-              </a:spcAft>
-              <a:buClr>
-                <a:srgbClr val="BC1B4B"/>
-              </a:buClr>
-              <a:buSzPts val="3600"/>
-              <a:buFont typeface="Century Gothic"/>
-              <a:buNone/>
-            </a:pPr>
-            <a:r>
-              <a:rPr lang="ru-RU">
-                <a:solidFill>
-                  <a:srgbClr val="BC1B4B"/>
-                </a:solidFill>
-              </a:rPr>
-              <a:t>Для загрузки изображения из файла используется команда:</a:t>
-            </a:r>
-            <a:endParaRPr/>
-          </a:p>
-        </p:txBody>
-      </p:sp>
-    </p:spTree>
-  </p:cSld>
-  <p:clrMapOvr>
-    <a:masterClrMapping/>
-  </p:clrMapOvr>
-</p:sld>
-</file>
-
-<file path=ppt/slides/slide3.xml><?xml version="1.0" encoding="utf-8"?>
-<p:sld xmlns:a="http://schemas.openxmlformats.org/drawingml/2006/main" xmlns:r="http://schemas.openxmlformats.org/officeDocument/2006/relationships" xmlns:mc="http://schemas.openxmlformats.org/markup-compatibility/2006" xmlns:mv="urn:schemas-microsoft-com:mac:vml" xmlns:p="http://schemas.openxmlformats.org/presentationml/2006/main" xmlns:c="http://schemas.openxmlformats.org/drawingml/2006/chart" xmlns:dgm="http://schemas.openxmlformats.org/drawingml/2006/diagram" xmlns:o="urn:schemas-microsoft-com:office:office" xmlns:v="urn:schemas-microsoft-com:vml" xmlns:pvml="urn:schemas-microsoft-com:office:powerpoint" xmlns:com="http://schemas.openxmlformats.org/drawingml/2006/compatibility" xmlns:p14="http://schemas.microsoft.com/office/powerpoint/2010/main" xmlns:p15="http://schemas.microsoft.com/office/powerpoint/2012/main">
-  <p:cSld>
-    <p:spTree>
-      <p:nvGrpSpPr>
-        <p:cNvPr id="259" name="Shape 259"/>
-        <p:cNvGrpSpPr/>
-        <p:nvPr/>
-      </p:nvGrpSpPr>
-      <p:grpSpPr>
-        <a:xfrm>
-          <a:off x="0" y="0"/>
-          <a:ext cx="0" cy="0"/>
-          <a:chOff x="0" y="0"/>
-          <a:chExt cx="0" cy="0"/>
-        </a:xfrm>
-      </p:grpSpPr>
-      <p:sp>
-        <p:nvSpPr>
-          <p:cNvPr id="260" name="Google Shape;260;p3"/>
-          <p:cNvSpPr/>
-          <p:nvPr/>
-        </p:nvSpPr>
-        <p:spPr>
-          <a:xfrm>
-            <a:off x="404949" y="1306284"/>
-            <a:ext cx="11534501" cy="4401205"/>
-          </a:xfrm>
-          <a:prstGeom prst="rect">
-            <a:avLst/>
-          </a:prstGeom>
-          <a:noFill/>
-          <a:ln>
-            <a:noFill/>
-          </a:ln>
-        </p:spPr>
-        <p:txBody>
-          <a:bodyPr anchorCtr="0" anchor="t" bIns="45700" lIns="91425" spcFirstLastPara="1" rIns="91425" wrap="square" tIns="45700">
-            <a:spAutoFit/>
-          </a:bodyPr>
-          <a:lstStyle/>
-          <a:p>
-            <a:pPr indent="0" lvl="0" marL="0" marR="0" rtl="0" algn="l">
-              <a:spcBef>
-                <a:spcPts val="0"/>
-              </a:spcBef>
-              <a:spcAft>
-                <a:spcPts val="0"/>
-              </a:spcAft>
-              <a:buClr>
-                <a:srgbClr val="BC1B4B"/>
-              </a:buClr>
-              <a:buSzPts val="4000"/>
-              <a:buFont typeface="Century Gothic"/>
-              <a:buNone/>
-            </a:pPr>
-            <a:r>
-              <a:rPr b="0" i="0" lang="ru-RU" sz="4000" u="none" cap="none" strike="noStrike">
-                <a:solidFill>
-                  <a:srgbClr val="BC1B4B"/>
-                </a:solidFill>
-                <a:latin typeface="Century Gothic"/>
-                <a:ea typeface="Century Gothic"/>
-                <a:cs typeface="Century Gothic"/>
-                <a:sym typeface="Century Gothic"/>
-              </a:rPr>
-              <a:t>Пример:</a:t>
-            </a:r>
-            <a:endParaRPr b="0" i="0" sz="4000" u="none" cap="none" strike="noStrike">
-              <a:solidFill>
-                <a:srgbClr val="BC1B4B"/>
-              </a:solidFill>
-              <a:latin typeface="Century Gothic"/>
-              <a:ea typeface="Century Gothic"/>
-              <a:cs typeface="Century Gothic"/>
-              <a:sym typeface="Century Gothic"/>
-            </a:endParaRPr>
-          </a:p>
-          <a:p>
-            <a:pPr indent="0" lvl="0" marL="0" marR="0" rtl="0" algn="l">
-              <a:spcBef>
-                <a:spcPts val="0"/>
-              </a:spcBef>
-              <a:spcAft>
-                <a:spcPts val="0"/>
-              </a:spcAft>
-              <a:buNone/>
-            </a:pPr>
-            <a:r>
-              <a:rPr b="0" i="0" lang="ru-RU" sz="4000" u="none" cap="none" strike="noStrike">
-                <a:solidFill>
-                  <a:schemeClr val="dk1"/>
-                </a:solidFill>
-                <a:latin typeface="Century Gothic"/>
-                <a:ea typeface="Century Gothic"/>
-                <a:cs typeface="Century Gothic"/>
-                <a:sym typeface="Century Gothic"/>
-              </a:rPr>
-              <a:t>ImageIcon ii=</a:t>
-            </a:r>
-            <a:r>
-              <a:rPr b="1" i="0" lang="ru-RU" sz="4000" u="none" cap="none" strike="noStrike">
-                <a:solidFill>
-                  <a:schemeClr val="dk1"/>
-                </a:solidFill>
-                <a:latin typeface="Century Gothic"/>
-                <a:ea typeface="Century Gothic"/>
-                <a:cs typeface="Century Gothic"/>
-                <a:sym typeface="Century Gothic"/>
-              </a:rPr>
-              <a:t>new </a:t>
-            </a:r>
-            <a:r>
-              <a:rPr b="0" i="0" lang="ru-RU" sz="4000" u="none" cap="none" strike="noStrike">
-                <a:solidFill>
-                  <a:schemeClr val="dk1"/>
-                </a:solidFill>
-                <a:latin typeface="Century Gothic"/>
-                <a:ea typeface="Century Gothic"/>
-                <a:cs typeface="Century Gothic"/>
-                <a:sym typeface="Century Gothic"/>
-              </a:rPr>
-              <a:t>ImageIcon("src/ris.png");</a:t>
-            </a:r>
-            <a:endParaRPr sz="4000">
-              <a:solidFill>
-                <a:schemeClr val="dk1"/>
-              </a:solidFill>
-              <a:latin typeface="Century Gothic"/>
-              <a:ea typeface="Century Gothic"/>
-              <a:cs typeface="Century Gothic"/>
-              <a:sym typeface="Century Gothic"/>
-            </a:endParaRPr>
-          </a:p>
-          <a:p>
-            <a:pPr indent="0" lvl="0" marL="0" marR="0" rtl="0" algn="l">
-              <a:spcBef>
-                <a:spcPts val="0"/>
-              </a:spcBef>
-              <a:spcAft>
-                <a:spcPts val="0"/>
-              </a:spcAft>
-              <a:buNone/>
-            </a:pPr>
-            <a:r>
-              <a:rPr lang="ru-RU" sz="4000">
-                <a:solidFill>
-                  <a:schemeClr val="dk1"/>
-                </a:solidFill>
-                <a:latin typeface="Century Gothic"/>
-                <a:ea typeface="Century Gothic"/>
-                <a:cs typeface="Century Gothic"/>
-                <a:sym typeface="Century Gothic"/>
-              </a:rPr>
-              <a:t>fon=ii.getImage();</a:t>
-            </a:r>
-            <a:endParaRPr sz="4000">
-              <a:solidFill>
-                <a:schemeClr val="dk1"/>
-              </a:solidFill>
-              <a:latin typeface="Century Gothic"/>
-              <a:ea typeface="Century Gothic"/>
-              <a:cs typeface="Century Gothic"/>
-              <a:sym typeface="Century Gothic"/>
-            </a:endParaRPr>
-          </a:p>
-          <a:p>
-            <a:pPr indent="0" lvl="0" marL="0" marR="0" rtl="0" algn="l">
-              <a:spcBef>
-                <a:spcPts val="0"/>
-              </a:spcBef>
-              <a:spcAft>
-                <a:spcPts val="0"/>
-              </a:spcAft>
-              <a:buNone/>
-            </a:pPr>
-            <a:r>
-              <a:t/>
-            </a:r>
-            <a:endParaRPr sz="4000">
-              <a:solidFill>
-                <a:schemeClr val="dk1"/>
-              </a:solidFill>
-              <a:latin typeface="Century Gothic"/>
-              <a:ea typeface="Century Gothic"/>
-              <a:cs typeface="Century Gothic"/>
-              <a:sym typeface="Century Gothic"/>
-            </a:endParaRPr>
-          </a:p>
-          <a:p>
-            <a:pPr indent="0" lvl="0" marL="0" marR="0" rtl="0" algn="l">
-              <a:spcBef>
-                <a:spcPts val="0"/>
-              </a:spcBef>
-              <a:spcAft>
-                <a:spcPts val="0"/>
-              </a:spcAft>
-              <a:buNone/>
-            </a:pPr>
-            <a:r>
-              <a:rPr lang="ru-RU" sz="4000">
-                <a:solidFill>
-                  <a:schemeClr val="dk1"/>
-                </a:solidFill>
-                <a:latin typeface="Century Gothic"/>
-                <a:ea typeface="Century Gothic"/>
-                <a:cs typeface="Century Gothic"/>
-                <a:sym typeface="Century Gothic"/>
-              </a:rPr>
-              <a:t>ImageIcon ii=</a:t>
-            </a:r>
-            <a:r>
-              <a:rPr b="1" lang="ru-RU" sz="4000">
-                <a:solidFill>
-                  <a:schemeClr val="dk1"/>
-                </a:solidFill>
-                <a:latin typeface="Century Gothic"/>
-                <a:ea typeface="Century Gothic"/>
-                <a:cs typeface="Century Gothic"/>
-                <a:sym typeface="Century Gothic"/>
-              </a:rPr>
-              <a:t>new</a:t>
-            </a:r>
-            <a:r>
-              <a:rPr lang="ru-RU" sz="4000">
-                <a:solidFill>
-                  <a:schemeClr val="dk1"/>
-                </a:solidFill>
-                <a:latin typeface="Century Gothic"/>
-                <a:ea typeface="Century Gothic"/>
-                <a:cs typeface="Century Gothic"/>
-                <a:sym typeface="Century Gothic"/>
-              </a:rPr>
-              <a:t> ImageIcon(“C://pictures/1.jpg");</a:t>
-            </a:r>
-            <a:endParaRPr sz="4000">
-              <a:solidFill>
-                <a:schemeClr val="dk1"/>
-              </a:solidFill>
-              <a:latin typeface="Century Gothic"/>
-              <a:ea typeface="Century Gothic"/>
-              <a:cs typeface="Century Gothic"/>
-              <a:sym typeface="Century Gothic"/>
-            </a:endParaRPr>
-          </a:p>
-          <a:p>
-            <a:pPr indent="0" lvl="0" marL="0" marR="0" rtl="0" algn="l">
-              <a:spcBef>
-                <a:spcPts val="0"/>
-              </a:spcBef>
-              <a:spcAft>
-                <a:spcPts val="0"/>
-              </a:spcAft>
-              <a:buNone/>
-            </a:pPr>
-            <a:r>
-              <a:rPr lang="ru-RU" sz="4000">
-                <a:solidFill>
-                  <a:schemeClr val="dk1"/>
-                </a:solidFill>
-                <a:latin typeface="Century Gothic"/>
-                <a:ea typeface="Century Gothic"/>
-                <a:cs typeface="Century Gothic"/>
-                <a:sym typeface="Century Gothic"/>
-              </a:rPr>
-              <a:t>		dot=ii.getImage();</a:t>
-            </a:r>
-            <a:endParaRPr sz="4000">
-              <a:solidFill>
-                <a:schemeClr val="dk1"/>
-              </a:solidFill>
-              <a:latin typeface="Century Gothic"/>
-              <a:ea typeface="Century Gothic"/>
-              <a:cs typeface="Century Gothic"/>
-              <a:sym typeface="Century Gothic"/>
-            </a:endParaRPr>
-          </a:p>
-        </p:txBody>
-      </p:sp>
-    </p:spTree>
-  </p:cSld>
-  <p:clrMapOvr>
-    <a:masterClrMapping/>
-  </p:clrMapOvr>
-</p:sld>
-</file>
-
-<file path=ppt/slides/slide4.xml><?xml version="1.0" encoding="utf-8"?>
-<p:sld xmlns:a="http://schemas.openxmlformats.org/drawingml/2006/main" xmlns:r="http://schemas.openxmlformats.org/officeDocument/2006/relationships" xmlns:mc="http://schemas.openxmlformats.org/markup-compatibility/2006" xmlns:mv="urn:schemas-microsoft-com:mac:vml" xmlns:p="http://schemas.openxmlformats.org/presentationml/2006/main" xmlns:c="http://schemas.openxmlformats.org/drawingml/2006/chart" xmlns:dgm="http://schemas.openxmlformats.org/drawingml/2006/diagram" xmlns:o="urn:schemas-microsoft-com:office:office" xmlns:v="urn:schemas-microsoft-com:vml" xmlns:pvml="urn:schemas-microsoft-com:office:powerpoint" xmlns:com="http://schemas.openxmlformats.org/drawingml/2006/compatibility" xmlns:p14="http://schemas.microsoft.com/office/powerpoint/2010/main" xmlns:p15="http://schemas.microsoft.com/office/powerpoint/2012/main">
-  <p:cSld>
-    <p:spTree>
-      <p:nvGrpSpPr>
-        <p:cNvPr id="264" name="Shape 264"/>
-        <p:cNvGrpSpPr/>
-        <p:nvPr/>
-      </p:nvGrpSpPr>
-      <p:grpSpPr>
-        <a:xfrm>
-          <a:off x="0" y="0"/>
-          <a:ext cx="0" cy="0"/>
-          <a:chOff x="0" y="0"/>
-          <a:chExt cx="0" cy="0"/>
-        </a:xfrm>
-      </p:grpSpPr>
-      <p:sp>
-        <p:nvSpPr>
-          <p:cNvPr id="265" name="Google Shape;265;p4"/>
+          <p:cNvPr id="306" name="Google Shape;306;p4"/>
           <p:cNvSpPr/>
           <p:nvPr/>
         </p:nvSpPr>
@@ -26710,7 +26303,7 @@
       </p:sp>
       <p:sp>
         <p:nvSpPr>
-          <p:cNvPr id="266" name="Google Shape;266;p4"/>
+          <p:cNvPr id="307" name="Google Shape;307;p4"/>
           <p:cNvSpPr/>
           <p:nvPr/>
         </p:nvSpPr>
@@ -26834,12 +26427,12 @@
 </p:sld>
 </file>
 
-<file path=ppt/slides/slide5.xml><?xml version="1.0" encoding="utf-8"?>
-<p:sld xmlns:a="http://schemas.openxmlformats.org/drawingml/2006/main" xmlns:r="http://schemas.openxmlformats.org/officeDocument/2006/relationships" xmlns:mc="http://schemas.openxmlformats.org/markup-compatibility/2006" xmlns:mv="urn:schemas-microsoft-com:mac:vml" xmlns:p="http://schemas.openxmlformats.org/presentationml/2006/main" xmlns:c="http://schemas.openxmlformats.org/drawingml/2006/chart" xmlns:dgm="http://schemas.openxmlformats.org/drawingml/2006/diagram" xmlns:o="urn:schemas-microsoft-com:office:office" xmlns:v="urn:schemas-microsoft-com:vml" xmlns:pvml="urn:schemas-microsoft-com:office:powerpoint" xmlns:com="http://schemas.openxmlformats.org/drawingml/2006/compatibility" xmlns:p14="http://schemas.microsoft.com/office/powerpoint/2010/main" xmlns:p15="http://schemas.microsoft.com/office/powerpoint/2012/main">
+<file path=ppt/slides/slide2.xml><?xml version="1.0" encoding="utf-8"?>
+<p:sld xmlns:a="http://schemas.openxmlformats.org/drawingml/2006/main" xmlns:r="http://schemas.openxmlformats.org/officeDocument/2006/relationships" xmlns:mc="http://schemas.openxmlformats.org/markup-compatibility/2006" xmlns:mv="urn:schemas-microsoft-com:mac:vml" xmlns:p="http://schemas.openxmlformats.org/presentationml/2006/main" xmlns:c="http://schemas.openxmlformats.org/drawingml/2006/chart" xmlns:dgm="http://schemas.openxmlformats.org/drawingml/2006/diagram" xmlns:o="urn:schemas-microsoft-com:office:office" xmlns:v="urn:schemas-microsoft-com:vml" xmlns:pvml="urn:schemas-microsoft-com:office:powerpoint" xmlns:com="http://schemas.openxmlformats.org/drawingml/2006/compatibility" xmlns:p14="http://schemas.microsoft.com/office/powerpoint/2010/main" xmlns:p15="http://schemas.microsoft.com/office/powerpoint/2012/main" xmlns:ahyp="http://schemas.microsoft.com/office/drawing/2018/hyperlinkcolor">
   <p:cSld>
     <p:spTree>
       <p:nvGrpSpPr>
-        <p:cNvPr id="270" name="Shape 270"/>
+        <p:cNvPr id="253" name="Shape 253"/>
         <p:cNvGrpSpPr/>
         <p:nvPr/>
       </p:nvGrpSpPr>
@@ -26853,7 +26446,724 @@
       </p:grpSpPr>
       <p:sp>
         <p:nvSpPr>
-          <p:cNvPr id="271" name="Google Shape;271;p5"/>
+          <p:cNvPr id="254" name="Google Shape;254;p2"/>
+          <p:cNvSpPr txBox="1"/>
+          <p:nvPr>
+            <p:ph idx="4294967295" type="body"/>
+          </p:nvPr>
+        </p:nvSpPr>
+        <p:spPr>
+          <a:xfrm>
+            <a:off x="513183" y="1549141"/>
+            <a:ext cx="10842172" cy="4049226"/>
+          </a:xfrm>
+          <a:prstGeom prst="rect">
+            <a:avLst/>
+          </a:prstGeom>
+          <a:noFill/>
+          <a:ln>
+            <a:noFill/>
+          </a:ln>
+        </p:spPr>
+        <p:txBody>
+          <a:bodyPr anchorCtr="0" anchor="t" bIns="45700" lIns="91425" spcFirstLastPara="1" rIns="91425" wrap="square" tIns="45700">
+            <a:normAutofit/>
+          </a:bodyPr>
+          <a:lstStyle/>
+          <a:p>
+            <a:pPr indent="-342900" lvl="0" marL="342900" rtl="0" algn="l">
+              <a:lnSpc>
+                <a:spcPct val="90000"/>
+              </a:lnSpc>
+              <a:spcBef>
+                <a:spcPts val="0"/>
+              </a:spcBef>
+              <a:spcAft>
+                <a:spcPts val="0"/>
+              </a:spcAft>
+              <a:buSzPts val="3256"/>
+              <a:buChar char="►"/>
+            </a:pPr>
+            <a:r>
+              <a:rPr lang="ru-RU" sz="4070"/>
+              <a:t>ImageIcon ii=</a:t>
+            </a:r>
+            <a:r>
+              <a:rPr b="1" lang="ru-RU" sz="4070"/>
+              <a:t>new</a:t>
+            </a:r>
+            <a:r>
+              <a:rPr lang="ru-RU" sz="4070"/>
+              <a:t> ImageIcon("путь к нашему файлу с расширением файла")</a:t>
+            </a:r>
+            <a:endParaRPr/>
+          </a:p>
+          <a:p>
+            <a:pPr indent="-342900" lvl="0" marL="342900" rtl="0" algn="l">
+              <a:lnSpc>
+                <a:spcPct val="90000"/>
+              </a:lnSpc>
+              <a:spcBef>
+                <a:spcPts val="1000"/>
+              </a:spcBef>
+              <a:spcAft>
+                <a:spcPts val="0"/>
+              </a:spcAft>
+              <a:buSzPts val="3256"/>
+              <a:buChar char="►"/>
+            </a:pPr>
+            <a:r>
+              <a:rPr lang="ru-RU" sz="4070"/>
+              <a:t>	Image img=ii.getImage();</a:t>
+            </a:r>
+            <a:endParaRPr sz="4070"/>
+          </a:p>
+          <a:p>
+            <a:pPr indent="0" lvl="0" marL="342900" rtl="0" algn="just">
+              <a:lnSpc>
+                <a:spcPct val="90000"/>
+              </a:lnSpc>
+              <a:spcBef>
+                <a:spcPts val="1000"/>
+              </a:spcBef>
+              <a:spcAft>
+                <a:spcPts val="0"/>
+              </a:spcAft>
+              <a:buSzPts val="3256"/>
+              <a:buNone/>
+            </a:pPr>
+            <a:r>
+              <a:t/>
+            </a:r>
+            <a:endParaRPr sz="4070"/>
+          </a:p>
+          <a:p>
+            <a:pPr indent="0" lvl="0" marL="342900" rtl="0" algn="l">
+              <a:lnSpc>
+                <a:spcPct val="90000"/>
+              </a:lnSpc>
+              <a:spcBef>
+                <a:spcPts val="0"/>
+              </a:spcBef>
+              <a:spcAft>
+                <a:spcPts val="0"/>
+              </a:spcAft>
+              <a:buSzPts val="3256"/>
+              <a:buNone/>
+            </a:pPr>
+            <a:r>
+              <a:rPr lang="ru-RU" sz="4070">
+                <a:solidFill>
+                  <a:srgbClr val="FF0000"/>
+                </a:solidFill>
+              </a:rPr>
+              <a:t> </a:t>
+            </a:r>
+            <a:endParaRPr sz="4070"/>
+          </a:p>
+          <a:p>
+            <a:pPr indent="0" lvl="0" marL="342900" rtl="0" algn="just">
+              <a:lnSpc>
+                <a:spcPct val="90000"/>
+              </a:lnSpc>
+              <a:spcBef>
+                <a:spcPts val="1000"/>
+              </a:spcBef>
+              <a:spcAft>
+                <a:spcPts val="0"/>
+              </a:spcAft>
+              <a:buSzPts val="3256"/>
+              <a:buNone/>
+            </a:pPr>
+            <a:r>
+              <a:t/>
+            </a:r>
+            <a:endParaRPr sz="4070">
+              <a:solidFill>
+                <a:srgbClr val="FF0000"/>
+              </a:solidFill>
+            </a:endParaRPr>
+          </a:p>
+        </p:txBody>
+      </p:sp>
+      <p:sp>
+        <p:nvSpPr>
+          <p:cNvPr id="255" name="Google Shape;255;p2"/>
+          <p:cNvSpPr txBox="1"/>
+          <p:nvPr>
+            <p:ph idx="4294967295" type="title"/>
+          </p:nvPr>
+        </p:nvSpPr>
+        <p:spPr>
+          <a:xfrm>
+            <a:off x="755781" y="450624"/>
+            <a:ext cx="8761413" cy="708025"/>
+          </a:xfrm>
+          <a:prstGeom prst="rect">
+            <a:avLst/>
+          </a:prstGeom>
+          <a:noFill/>
+          <a:ln>
+            <a:noFill/>
+          </a:ln>
+        </p:spPr>
+        <p:txBody>
+          <a:bodyPr anchorCtr="0" anchor="ctr" bIns="45700" lIns="91425" spcFirstLastPara="1" rIns="91425" wrap="square" tIns="45700">
+            <a:noAutofit/>
+          </a:bodyPr>
+          <a:lstStyle/>
+          <a:p>
+            <a:pPr indent="0" lvl="0" marL="0" rtl="0" algn="l">
+              <a:spcBef>
+                <a:spcPts val="0"/>
+              </a:spcBef>
+              <a:spcAft>
+                <a:spcPts val="0"/>
+              </a:spcAft>
+              <a:buClr>
+                <a:srgbClr val="BC1B4B"/>
+              </a:buClr>
+              <a:buSzPts val="3600"/>
+              <a:buFont typeface="Century Gothic"/>
+              <a:buNone/>
+            </a:pPr>
+            <a:r>
+              <a:rPr lang="ru-RU">
+                <a:solidFill>
+                  <a:srgbClr val="BC1B4B"/>
+                </a:solidFill>
+              </a:rPr>
+              <a:t>Для загрузки изображения из файла используется команда:</a:t>
+            </a:r>
+            <a:endParaRPr/>
+          </a:p>
+        </p:txBody>
+      </p:sp>
+    </p:spTree>
+  </p:cSld>
+  <p:clrMapOvr>
+    <a:masterClrMapping/>
+  </p:clrMapOvr>
+</p:sld>
+</file>
+
+<file path=ppt/slides/slide3.xml><?xml version="1.0" encoding="utf-8"?>
+<p:sld xmlns:a="http://schemas.openxmlformats.org/drawingml/2006/main" xmlns:r="http://schemas.openxmlformats.org/officeDocument/2006/relationships" xmlns:mc="http://schemas.openxmlformats.org/markup-compatibility/2006" xmlns:mv="urn:schemas-microsoft-com:mac:vml" xmlns:p="http://schemas.openxmlformats.org/presentationml/2006/main" xmlns:c="http://schemas.openxmlformats.org/drawingml/2006/chart" xmlns:dgm="http://schemas.openxmlformats.org/drawingml/2006/diagram" xmlns:o="urn:schemas-microsoft-com:office:office" xmlns:v="urn:schemas-microsoft-com:vml" xmlns:pvml="urn:schemas-microsoft-com:office:powerpoint" xmlns:com="http://schemas.openxmlformats.org/drawingml/2006/compatibility" xmlns:p14="http://schemas.microsoft.com/office/powerpoint/2010/main" xmlns:p15="http://schemas.microsoft.com/office/powerpoint/2012/main" xmlns:ahyp="http://schemas.microsoft.com/office/drawing/2018/hyperlinkcolor">
+  <p:cSld>
+    <p:spTree>
+      <p:nvGrpSpPr>
+        <p:cNvPr id="259" name="Shape 259"/>
+        <p:cNvGrpSpPr/>
+        <p:nvPr/>
+      </p:nvGrpSpPr>
+      <p:grpSpPr>
+        <a:xfrm>
+          <a:off x="0" y="0"/>
+          <a:ext cx="0" cy="0"/>
+          <a:chOff x="0" y="0"/>
+          <a:chExt cx="0" cy="0"/>
+        </a:xfrm>
+      </p:grpSpPr>
+      <p:sp>
+        <p:nvSpPr>
+          <p:cNvPr id="260" name="Google Shape;260;p3"/>
+          <p:cNvSpPr/>
+          <p:nvPr/>
+        </p:nvSpPr>
+        <p:spPr>
+          <a:xfrm>
+            <a:off x="404949" y="1306284"/>
+            <a:ext cx="11534501" cy="4401205"/>
+          </a:xfrm>
+          <a:prstGeom prst="rect">
+            <a:avLst/>
+          </a:prstGeom>
+          <a:noFill/>
+          <a:ln>
+            <a:noFill/>
+          </a:ln>
+        </p:spPr>
+        <p:txBody>
+          <a:bodyPr anchorCtr="0" anchor="t" bIns="45700" lIns="91425" spcFirstLastPara="1" rIns="91425" wrap="square" tIns="45700">
+            <a:spAutoFit/>
+          </a:bodyPr>
+          <a:lstStyle/>
+          <a:p>
+            <a:pPr indent="0" lvl="0" marL="0" marR="0" rtl="0" algn="l">
+              <a:spcBef>
+                <a:spcPts val="0"/>
+              </a:spcBef>
+              <a:spcAft>
+                <a:spcPts val="0"/>
+              </a:spcAft>
+              <a:buClr>
+                <a:srgbClr val="BC1B4B"/>
+              </a:buClr>
+              <a:buSzPts val="4000"/>
+              <a:buFont typeface="Century Gothic"/>
+              <a:buNone/>
+            </a:pPr>
+            <a:r>
+              <a:rPr b="0" i="0" lang="ru-RU" sz="4000" u="none" cap="none" strike="noStrike">
+                <a:solidFill>
+                  <a:srgbClr val="BC1B4B"/>
+                </a:solidFill>
+                <a:latin typeface="Century Gothic"/>
+                <a:ea typeface="Century Gothic"/>
+                <a:cs typeface="Century Gothic"/>
+                <a:sym typeface="Century Gothic"/>
+              </a:rPr>
+              <a:t>Пример </a:t>
+            </a:r>
+            <a:r>
+              <a:rPr lang="ru-RU" sz="4000">
+                <a:solidFill>
+                  <a:srgbClr val="BC1B4B"/>
+                </a:solidFill>
+                <a:latin typeface="Century Gothic"/>
+                <a:ea typeface="Century Gothic"/>
+                <a:cs typeface="Century Gothic"/>
+                <a:sym typeface="Century Gothic"/>
+              </a:rPr>
+              <a:t>с относительным путем</a:t>
+            </a:r>
+            <a:r>
+              <a:rPr b="0" i="0" lang="ru-RU" sz="4000" u="none" cap="none" strike="noStrike">
+                <a:solidFill>
+                  <a:srgbClr val="BC1B4B"/>
+                </a:solidFill>
+                <a:latin typeface="Century Gothic"/>
+                <a:ea typeface="Century Gothic"/>
+                <a:cs typeface="Century Gothic"/>
+                <a:sym typeface="Century Gothic"/>
+              </a:rPr>
+              <a:t>:</a:t>
+            </a:r>
+            <a:endParaRPr b="0" i="0" sz="4000" u="none" cap="none" strike="noStrike">
+              <a:solidFill>
+                <a:srgbClr val="BC1B4B"/>
+              </a:solidFill>
+              <a:latin typeface="Century Gothic"/>
+              <a:ea typeface="Century Gothic"/>
+              <a:cs typeface="Century Gothic"/>
+              <a:sym typeface="Century Gothic"/>
+            </a:endParaRPr>
+          </a:p>
+          <a:p>
+            <a:pPr indent="0" lvl="0" marL="0" marR="0" rtl="0" algn="l">
+              <a:spcBef>
+                <a:spcPts val="0"/>
+              </a:spcBef>
+              <a:spcAft>
+                <a:spcPts val="0"/>
+              </a:spcAft>
+              <a:buClr>
+                <a:srgbClr val="BC1B4B"/>
+              </a:buClr>
+              <a:buSzPts val="4000"/>
+              <a:buFont typeface="Century Gothic"/>
+              <a:buNone/>
+            </a:pPr>
+            <a:r>
+              <a:t/>
+            </a:r>
+            <a:endParaRPr sz="4000">
+              <a:solidFill>
+                <a:srgbClr val="BC1B4B"/>
+              </a:solidFill>
+              <a:latin typeface="Century Gothic"/>
+              <a:ea typeface="Century Gothic"/>
+              <a:cs typeface="Century Gothic"/>
+              <a:sym typeface="Century Gothic"/>
+            </a:endParaRPr>
+          </a:p>
+          <a:p>
+            <a:pPr indent="0" lvl="0" marL="0" marR="0" rtl="0" algn="l">
+              <a:spcBef>
+                <a:spcPts val="0"/>
+              </a:spcBef>
+              <a:spcAft>
+                <a:spcPts val="0"/>
+              </a:spcAft>
+              <a:buNone/>
+            </a:pPr>
+            <a:r>
+              <a:rPr b="0" i="0" lang="ru-RU" sz="4000" u="none" cap="none" strike="noStrike">
+                <a:solidFill>
+                  <a:schemeClr val="dk1"/>
+                </a:solidFill>
+                <a:latin typeface="Century Gothic"/>
+                <a:ea typeface="Century Gothic"/>
+                <a:cs typeface="Century Gothic"/>
+                <a:sym typeface="Century Gothic"/>
+              </a:rPr>
+              <a:t>ImageIcon ii=</a:t>
+            </a:r>
+            <a:r>
+              <a:rPr b="1" i="0" lang="ru-RU" sz="4000" u="none" cap="none" strike="noStrike">
+                <a:solidFill>
+                  <a:schemeClr val="dk1"/>
+                </a:solidFill>
+                <a:latin typeface="Century Gothic"/>
+                <a:ea typeface="Century Gothic"/>
+                <a:cs typeface="Century Gothic"/>
+                <a:sym typeface="Century Gothic"/>
+              </a:rPr>
+              <a:t>new </a:t>
+            </a:r>
+            <a:r>
+              <a:rPr b="0" i="0" lang="ru-RU" sz="4000" u="none" cap="none" strike="noStrike">
+                <a:solidFill>
+                  <a:schemeClr val="dk1"/>
+                </a:solidFill>
+                <a:latin typeface="Century Gothic"/>
+                <a:ea typeface="Century Gothic"/>
+                <a:cs typeface="Century Gothic"/>
+                <a:sym typeface="Century Gothic"/>
+              </a:rPr>
+              <a:t>ImageIcon("src/ris.png");</a:t>
+            </a:r>
+            <a:endParaRPr sz="4000">
+              <a:solidFill>
+                <a:schemeClr val="dk1"/>
+              </a:solidFill>
+              <a:latin typeface="Century Gothic"/>
+              <a:ea typeface="Century Gothic"/>
+              <a:cs typeface="Century Gothic"/>
+              <a:sym typeface="Century Gothic"/>
+            </a:endParaRPr>
+          </a:p>
+          <a:p>
+            <a:pPr indent="0" lvl="0" marL="0" marR="0" rtl="0" algn="l">
+              <a:spcBef>
+                <a:spcPts val="0"/>
+              </a:spcBef>
+              <a:spcAft>
+                <a:spcPts val="0"/>
+              </a:spcAft>
+              <a:buNone/>
+            </a:pPr>
+            <a:r>
+              <a:rPr lang="ru-RU" sz="4000">
+                <a:solidFill>
+                  <a:schemeClr val="dk1"/>
+                </a:solidFill>
+                <a:latin typeface="Century Gothic"/>
+                <a:ea typeface="Century Gothic"/>
+                <a:cs typeface="Century Gothic"/>
+                <a:sym typeface="Century Gothic"/>
+              </a:rPr>
+              <a:t>fon=ii.getImage();</a:t>
+            </a:r>
+            <a:endParaRPr sz="4000">
+              <a:solidFill>
+                <a:schemeClr val="dk1"/>
+              </a:solidFill>
+              <a:latin typeface="Century Gothic"/>
+              <a:ea typeface="Century Gothic"/>
+              <a:cs typeface="Century Gothic"/>
+              <a:sym typeface="Century Gothic"/>
+            </a:endParaRPr>
+          </a:p>
+          <a:p>
+            <a:pPr indent="0" lvl="0" marL="0" marR="0" rtl="0" algn="l">
+              <a:spcBef>
+                <a:spcPts val="0"/>
+              </a:spcBef>
+              <a:spcAft>
+                <a:spcPts val="0"/>
+              </a:spcAft>
+              <a:buNone/>
+            </a:pPr>
+            <a:r>
+              <a:t/>
+            </a:r>
+            <a:endParaRPr sz="4000">
+              <a:solidFill>
+                <a:schemeClr val="dk1"/>
+              </a:solidFill>
+              <a:latin typeface="Century Gothic"/>
+              <a:ea typeface="Century Gothic"/>
+              <a:cs typeface="Century Gothic"/>
+              <a:sym typeface="Century Gothic"/>
+            </a:endParaRPr>
+          </a:p>
+          <a:p>
+            <a:pPr indent="0" lvl="0" marL="0" marR="0" rtl="0" algn="l">
+              <a:spcBef>
+                <a:spcPts val="0"/>
+              </a:spcBef>
+              <a:spcAft>
+                <a:spcPts val="0"/>
+              </a:spcAft>
+              <a:buNone/>
+            </a:pPr>
+            <a:r>
+              <a:t/>
+            </a:r>
+            <a:endParaRPr sz="4000">
+              <a:solidFill>
+                <a:schemeClr val="dk1"/>
+              </a:solidFill>
+              <a:latin typeface="Century Gothic"/>
+              <a:ea typeface="Century Gothic"/>
+              <a:cs typeface="Century Gothic"/>
+              <a:sym typeface="Century Gothic"/>
+            </a:endParaRPr>
+          </a:p>
+        </p:txBody>
+      </p:sp>
+    </p:spTree>
+  </p:cSld>
+  <p:clrMapOvr>
+    <a:masterClrMapping/>
+  </p:clrMapOvr>
+</p:sld>
+</file>
+
+<file path=ppt/slides/slide4.xml><?xml version="1.0" encoding="utf-8"?>
+<p:sld xmlns:a="http://schemas.openxmlformats.org/drawingml/2006/main" xmlns:r="http://schemas.openxmlformats.org/officeDocument/2006/relationships" xmlns:mc="http://schemas.openxmlformats.org/markup-compatibility/2006" xmlns:mv="urn:schemas-microsoft-com:mac:vml" xmlns:p="http://schemas.openxmlformats.org/presentationml/2006/main" xmlns:c="http://schemas.openxmlformats.org/drawingml/2006/chart" xmlns:dgm="http://schemas.openxmlformats.org/drawingml/2006/diagram" xmlns:o="urn:schemas-microsoft-com:office:office" xmlns:v="urn:schemas-microsoft-com:vml" xmlns:pvml="urn:schemas-microsoft-com:office:powerpoint" xmlns:com="http://schemas.openxmlformats.org/drawingml/2006/compatibility" xmlns:p14="http://schemas.microsoft.com/office/powerpoint/2010/main" xmlns:p15="http://schemas.microsoft.com/office/powerpoint/2012/main" xmlns:ahyp="http://schemas.microsoft.com/office/drawing/2018/hyperlinkcolor">
+  <p:cSld>
+    <p:spTree>
+      <p:nvGrpSpPr>
+        <p:cNvPr id="264" name="Shape 264"/>
+        <p:cNvGrpSpPr/>
+        <p:nvPr/>
+      </p:nvGrpSpPr>
+      <p:grpSpPr>
+        <a:xfrm>
+          <a:off x="0" y="0"/>
+          <a:ext cx="0" cy="0"/>
+          <a:chOff x="0" y="0"/>
+          <a:chExt cx="0" cy="0"/>
+        </a:xfrm>
+      </p:grpSpPr>
+      <p:sp>
+        <p:nvSpPr>
+          <p:cNvPr id="265" name="Google Shape;265;gbf41f966ba_0_0"/>
+          <p:cNvSpPr/>
+          <p:nvPr/>
+        </p:nvSpPr>
+        <p:spPr>
+          <a:xfrm>
+            <a:off x="404949" y="1306284"/>
+            <a:ext cx="11534400" cy="4401300"/>
+          </a:xfrm>
+          <a:prstGeom prst="rect">
+            <a:avLst/>
+          </a:prstGeom>
+          <a:noFill/>
+          <a:ln>
+            <a:noFill/>
+          </a:ln>
+        </p:spPr>
+        <p:txBody>
+          <a:bodyPr anchorCtr="0" anchor="t" bIns="45700" lIns="91425" spcFirstLastPara="1" rIns="91425" wrap="square" tIns="45700">
+            <a:noAutofit/>
+          </a:bodyPr>
+          <a:lstStyle/>
+          <a:p>
+            <a:pPr indent="0" lvl="0" marL="0" marR="0" rtl="0" algn="l">
+              <a:spcBef>
+                <a:spcPts val="0"/>
+              </a:spcBef>
+              <a:spcAft>
+                <a:spcPts val="0"/>
+              </a:spcAft>
+              <a:buClr>
+                <a:srgbClr val="BC1B4B"/>
+              </a:buClr>
+              <a:buSzPts val="4000"/>
+              <a:buFont typeface="Century Gothic"/>
+              <a:buNone/>
+            </a:pPr>
+            <a:r>
+              <a:rPr b="0" i="0" lang="ru-RU" sz="4000" u="none" cap="none" strike="noStrike">
+                <a:solidFill>
+                  <a:srgbClr val="BC1B4B"/>
+                </a:solidFill>
+                <a:latin typeface="Century Gothic"/>
+                <a:ea typeface="Century Gothic"/>
+                <a:cs typeface="Century Gothic"/>
+                <a:sym typeface="Century Gothic"/>
+              </a:rPr>
+              <a:t>Пример с а</a:t>
+            </a:r>
+            <a:r>
+              <a:rPr lang="ru-RU" sz="4000">
+                <a:solidFill>
+                  <a:srgbClr val="BC1B4B"/>
+                </a:solidFill>
+                <a:latin typeface="Century Gothic"/>
+                <a:ea typeface="Century Gothic"/>
+                <a:cs typeface="Century Gothic"/>
+                <a:sym typeface="Century Gothic"/>
+              </a:rPr>
+              <a:t>бсолютным путем</a:t>
+            </a:r>
+            <a:r>
+              <a:rPr b="0" i="0" lang="ru-RU" sz="4000" u="none" cap="none" strike="noStrike">
+                <a:solidFill>
+                  <a:srgbClr val="BC1B4B"/>
+                </a:solidFill>
+                <a:latin typeface="Century Gothic"/>
+                <a:ea typeface="Century Gothic"/>
+                <a:cs typeface="Century Gothic"/>
+                <a:sym typeface="Century Gothic"/>
+              </a:rPr>
+              <a:t>:</a:t>
+            </a:r>
+            <a:endParaRPr b="0" i="0" sz="4000" u="none" cap="none" strike="noStrike">
+              <a:solidFill>
+                <a:srgbClr val="BC1B4B"/>
+              </a:solidFill>
+              <a:latin typeface="Century Gothic"/>
+              <a:ea typeface="Century Gothic"/>
+              <a:cs typeface="Century Gothic"/>
+              <a:sym typeface="Century Gothic"/>
+            </a:endParaRPr>
+          </a:p>
+          <a:p>
+            <a:pPr indent="0" lvl="0" marL="0" marR="0" rtl="0" algn="l">
+              <a:spcBef>
+                <a:spcPts val="0"/>
+              </a:spcBef>
+              <a:spcAft>
+                <a:spcPts val="0"/>
+              </a:spcAft>
+              <a:buNone/>
+            </a:pPr>
+            <a:r>
+              <a:t/>
+            </a:r>
+            <a:endParaRPr sz="4000">
+              <a:solidFill>
+                <a:schemeClr val="dk1"/>
+              </a:solidFill>
+              <a:latin typeface="Century Gothic"/>
+              <a:ea typeface="Century Gothic"/>
+              <a:cs typeface="Century Gothic"/>
+              <a:sym typeface="Century Gothic"/>
+            </a:endParaRPr>
+          </a:p>
+          <a:p>
+            <a:pPr indent="0" lvl="0" marL="0" marR="0" rtl="0" algn="l">
+              <a:spcBef>
+                <a:spcPts val="0"/>
+              </a:spcBef>
+              <a:spcAft>
+                <a:spcPts val="0"/>
+              </a:spcAft>
+              <a:buNone/>
+            </a:pPr>
+            <a:r>
+              <a:rPr lang="ru-RU" sz="4000">
+                <a:solidFill>
+                  <a:schemeClr val="dk1"/>
+                </a:solidFill>
+                <a:latin typeface="Century Gothic"/>
+                <a:ea typeface="Century Gothic"/>
+                <a:cs typeface="Century Gothic"/>
+                <a:sym typeface="Century Gothic"/>
+              </a:rPr>
+              <a:t>ImageIcon ii=</a:t>
+            </a:r>
+            <a:r>
+              <a:rPr b="1" lang="ru-RU" sz="4000">
+                <a:solidFill>
+                  <a:schemeClr val="dk1"/>
+                </a:solidFill>
+                <a:latin typeface="Century Gothic"/>
+                <a:ea typeface="Century Gothic"/>
+                <a:cs typeface="Century Gothic"/>
+                <a:sym typeface="Century Gothic"/>
+              </a:rPr>
+              <a:t>new</a:t>
+            </a:r>
+            <a:r>
+              <a:rPr lang="ru-RU" sz="4000">
+                <a:solidFill>
+                  <a:schemeClr val="dk1"/>
+                </a:solidFill>
+                <a:latin typeface="Century Gothic"/>
+                <a:ea typeface="Century Gothic"/>
+                <a:cs typeface="Century Gothic"/>
+                <a:sym typeface="Century Gothic"/>
+              </a:rPr>
+              <a:t> ImageIcon(“C://pictures/1.jpg");</a:t>
+            </a:r>
+            <a:endParaRPr sz="4000">
+              <a:solidFill>
+                <a:schemeClr val="dk1"/>
+              </a:solidFill>
+              <a:latin typeface="Century Gothic"/>
+              <a:ea typeface="Century Gothic"/>
+              <a:cs typeface="Century Gothic"/>
+              <a:sym typeface="Century Gothic"/>
+            </a:endParaRPr>
+          </a:p>
+          <a:p>
+            <a:pPr indent="0" lvl="0" marL="0" marR="0" rtl="0" algn="l">
+              <a:spcBef>
+                <a:spcPts val="0"/>
+              </a:spcBef>
+              <a:spcAft>
+                <a:spcPts val="0"/>
+              </a:spcAft>
+              <a:buNone/>
+            </a:pPr>
+            <a:r>
+              <a:rPr lang="ru-RU" sz="4000">
+                <a:solidFill>
+                  <a:schemeClr val="dk1"/>
+                </a:solidFill>
+                <a:latin typeface="Century Gothic"/>
+                <a:ea typeface="Century Gothic"/>
+                <a:cs typeface="Century Gothic"/>
+                <a:sym typeface="Century Gothic"/>
+              </a:rPr>
+              <a:t>		dot=ii.getImage();</a:t>
+            </a:r>
+            <a:endParaRPr sz="4000">
+              <a:solidFill>
+                <a:schemeClr val="dk1"/>
+              </a:solidFill>
+              <a:latin typeface="Century Gothic"/>
+              <a:ea typeface="Century Gothic"/>
+              <a:cs typeface="Century Gothic"/>
+              <a:sym typeface="Century Gothic"/>
+            </a:endParaRPr>
+          </a:p>
+        </p:txBody>
+      </p:sp>
+    </p:spTree>
+  </p:cSld>
+  <p:clrMapOvr>
+    <a:masterClrMapping/>
+  </p:clrMapOvr>
+</p:sld>
+</file>
+
+<file path=ppt/slides/slide5.xml><?xml version="1.0" encoding="utf-8"?>
+<p:sld xmlns:a="http://schemas.openxmlformats.org/drawingml/2006/main" xmlns:r="http://schemas.openxmlformats.org/officeDocument/2006/relationships" xmlns:mc="http://schemas.openxmlformats.org/markup-compatibility/2006" xmlns:mv="urn:schemas-microsoft-com:mac:vml" xmlns:p="http://schemas.openxmlformats.org/presentationml/2006/main" xmlns:c="http://schemas.openxmlformats.org/drawingml/2006/chart" xmlns:dgm="http://schemas.openxmlformats.org/drawingml/2006/diagram" xmlns:o="urn:schemas-microsoft-com:office:office" xmlns:v="urn:schemas-microsoft-com:vml" xmlns:pvml="urn:schemas-microsoft-com:office:powerpoint" xmlns:com="http://schemas.openxmlformats.org/drawingml/2006/compatibility" xmlns:p14="http://schemas.microsoft.com/office/powerpoint/2010/main" xmlns:p15="http://schemas.microsoft.com/office/powerpoint/2012/main" xmlns:ahyp="http://schemas.microsoft.com/office/drawing/2018/hyperlinkcolor">
+  <p:cSld>
+    <p:spTree>
+      <p:nvGrpSpPr>
+        <p:cNvPr id="269" name="Shape 269"/>
+        <p:cNvGrpSpPr/>
+        <p:nvPr/>
+      </p:nvGrpSpPr>
+      <p:grpSpPr>
+        <a:xfrm>
+          <a:off x="0" y="0"/>
+          <a:ext cx="0" cy="0"/>
+          <a:chOff x="0" y="0"/>
+          <a:chExt cx="0" cy="0"/>
+        </a:xfrm>
+      </p:grpSpPr>
+      <p:sp>
+        <p:nvSpPr>
+          <p:cNvPr id="270" name="Google Shape;270;p5"/>
           <p:cNvSpPr txBox="1"/>
           <p:nvPr>
             <p:ph idx="4294967295" type="body"/>
@@ -27281,11 +27591,11 @@
 </file>
 
 <file path=ppt/slides/slide6.xml><?xml version="1.0" encoding="utf-8"?>
-<p:sld xmlns:a="http://schemas.openxmlformats.org/drawingml/2006/main" xmlns:r="http://schemas.openxmlformats.org/officeDocument/2006/relationships" xmlns:mc="http://schemas.openxmlformats.org/markup-compatibility/2006" xmlns:mv="urn:schemas-microsoft-com:mac:vml" xmlns:p="http://schemas.openxmlformats.org/presentationml/2006/main" xmlns:c="http://schemas.openxmlformats.org/drawingml/2006/chart" xmlns:dgm="http://schemas.openxmlformats.org/drawingml/2006/diagram" xmlns:o="urn:schemas-microsoft-com:office:office" xmlns:v="urn:schemas-microsoft-com:vml" xmlns:pvml="urn:schemas-microsoft-com:office:powerpoint" xmlns:com="http://schemas.openxmlformats.org/drawingml/2006/compatibility" xmlns:p14="http://schemas.microsoft.com/office/powerpoint/2010/main" xmlns:p15="http://schemas.microsoft.com/office/powerpoint/2012/main">
+<p:sld xmlns:a="http://schemas.openxmlformats.org/drawingml/2006/main" xmlns:r="http://schemas.openxmlformats.org/officeDocument/2006/relationships" xmlns:mc="http://schemas.openxmlformats.org/markup-compatibility/2006" xmlns:mv="urn:schemas-microsoft-com:mac:vml" xmlns:p="http://schemas.openxmlformats.org/presentationml/2006/main" xmlns:c="http://schemas.openxmlformats.org/drawingml/2006/chart" xmlns:dgm="http://schemas.openxmlformats.org/drawingml/2006/diagram" xmlns:o="urn:schemas-microsoft-com:office:office" xmlns:v="urn:schemas-microsoft-com:vml" xmlns:pvml="urn:schemas-microsoft-com:office:powerpoint" xmlns:com="http://schemas.openxmlformats.org/drawingml/2006/compatibility" xmlns:p14="http://schemas.microsoft.com/office/powerpoint/2010/main" xmlns:p15="http://schemas.microsoft.com/office/powerpoint/2012/main" xmlns:ahyp="http://schemas.microsoft.com/office/drawing/2018/hyperlinkcolor">
   <p:cSld>
     <p:spTree>
       <p:nvGrpSpPr>
-        <p:cNvPr id="275" name="Shape 275"/>
+        <p:cNvPr id="274" name="Shape 274"/>
         <p:cNvGrpSpPr/>
         <p:nvPr/>
       </p:nvGrpSpPr>
@@ -27299,7 +27609,7 @@
       </p:grpSpPr>
       <p:sp>
         <p:nvSpPr>
-          <p:cNvPr id="276" name="Google Shape;276;p6"/>
+          <p:cNvPr id="275" name="Google Shape;275;p6"/>
           <p:cNvSpPr/>
           <p:nvPr/>
         </p:nvSpPr>
@@ -27730,11 +28040,11 @@
 </file>
 
 <file path=ppt/slides/slide7.xml><?xml version="1.0" encoding="utf-8"?>
-<p:sld xmlns:a="http://schemas.openxmlformats.org/drawingml/2006/main" xmlns:r="http://schemas.openxmlformats.org/officeDocument/2006/relationships" xmlns:mc="http://schemas.openxmlformats.org/markup-compatibility/2006" xmlns:mv="urn:schemas-microsoft-com:mac:vml" xmlns:p="http://schemas.openxmlformats.org/presentationml/2006/main" xmlns:c="http://schemas.openxmlformats.org/drawingml/2006/chart" xmlns:dgm="http://schemas.openxmlformats.org/drawingml/2006/diagram" xmlns:o="urn:schemas-microsoft-com:office:office" xmlns:v="urn:schemas-microsoft-com:vml" xmlns:pvml="urn:schemas-microsoft-com:office:powerpoint" xmlns:com="http://schemas.openxmlformats.org/drawingml/2006/compatibility" xmlns:p14="http://schemas.microsoft.com/office/powerpoint/2010/main" xmlns:p15="http://schemas.microsoft.com/office/powerpoint/2012/main">
+<p:sld xmlns:a="http://schemas.openxmlformats.org/drawingml/2006/main" xmlns:r="http://schemas.openxmlformats.org/officeDocument/2006/relationships" xmlns:mc="http://schemas.openxmlformats.org/markup-compatibility/2006" xmlns:mv="urn:schemas-microsoft-com:mac:vml" xmlns:p="http://schemas.openxmlformats.org/presentationml/2006/main" xmlns:c="http://schemas.openxmlformats.org/drawingml/2006/chart" xmlns:dgm="http://schemas.openxmlformats.org/drawingml/2006/diagram" xmlns:o="urn:schemas-microsoft-com:office:office" xmlns:v="urn:schemas-microsoft-com:vml" xmlns:pvml="urn:schemas-microsoft-com:office:powerpoint" xmlns:com="http://schemas.openxmlformats.org/drawingml/2006/compatibility" xmlns:p14="http://schemas.microsoft.com/office/powerpoint/2010/main" xmlns:p15="http://schemas.microsoft.com/office/powerpoint/2012/main" xmlns:ahyp="http://schemas.microsoft.com/office/drawing/2018/hyperlinkcolor">
   <p:cSld>
     <p:spTree>
       <p:nvGrpSpPr>
-        <p:cNvPr id="280" name="Shape 280"/>
+        <p:cNvPr id="279" name="Shape 279"/>
         <p:cNvGrpSpPr/>
         <p:nvPr/>
       </p:nvGrpSpPr>
@@ -27748,7 +28058,7 @@
       </p:grpSpPr>
       <p:sp>
         <p:nvSpPr>
-          <p:cNvPr id="281" name="Google Shape;281;p7"/>
+          <p:cNvPr id="280" name="Google Shape;280;p7"/>
           <p:cNvSpPr/>
           <p:nvPr/>
         </p:nvSpPr>
@@ -27918,11 +28228,11 @@
 </file>
 
 <file path=ppt/slides/slide8.xml><?xml version="1.0" encoding="utf-8"?>
-<p:sld xmlns:a="http://schemas.openxmlformats.org/drawingml/2006/main" xmlns:r="http://schemas.openxmlformats.org/officeDocument/2006/relationships" xmlns:mc="http://schemas.openxmlformats.org/markup-compatibility/2006" xmlns:mv="urn:schemas-microsoft-com:mac:vml" xmlns:p="http://schemas.openxmlformats.org/presentationml/2006/main" xmlns:c="http://schemas.openxmlformats.org/drawingml/2006/chart" xmlns:dgm="http://schemas.openxmlformats.org/drawingml/2006/diagram" xmlns:o="urn:schemas-microsoft-com:office:office" xmlns:v="urn:schemas-microsoft-com:vml" xmlns:pvml="urn:schemas-microsoft-com:office:powerpoint" xmlns:com="http://schemas.openxmlformats.org/drawingml/2006/compatibility" xmlns:p14="http://schemas.microsoft.com/office/powerpoint/2010/main" xmlns:p15="http://schemas.microsoft.com/office/powerpoint/2012/main">
+<p:sld xmlns:a="http://schemas.openxmlformats.org/drawingml/2006/main" xmlns:r="http://schemas.openxmlformats.org/officeDocument/2006/relationships" xmlns:mc="http://schemas.openxmlformats.org/markup-compatibility/2006" xmlns:mv="urn:schemas-microsoft-com:mac:vml" xmlns:p="http://schemas.openxmlformats.org/presentationml/2006/main" xmlns:c="http://schemas.openxmlformats.org/drawingml/2006/chart" xmlns:dgm="http://schemas.openxmlformats.org/drawingml/2006/diagram" xmlns:o="urn:schemas-microsoft-com:office:office" xmlns:v="urn:schemas-microsoft-com:vml" xmlns:pvml="urn:schemas-microsoft-com:office:powerpoint" xmlns:com="http://schemas.openxmlformats.org/drawingml/2006/compatibility" xmlns:p14="http://schemas.microsoft.com/office/powerpoint/2010/main" xmlns:p15="http://schemas.microsoft.com/office/powerpoint/2012/main" xmlns:ahyp="http://schemas.microsoft.com/office/drawing/2018/hyperlinkcolor">
   <p:cSld>
     <p:spTree>
       <p:nvGrpSpPr>
-        <p:cNvPr id="285" name="Shape 285"/>
+        <p:cNvPr id="284" name="Shape 284"/>
         <p:cNvGrpSpPr/>
         <p:nvPr/>
       </p:nvGrpSpPr>
@@ -27936,7 +28246,7 @@
       </p:grpSpPr>
       <p:sp>
         <p:nvSpPr>
-          <p:cNvPr id="286" name="Google Shape;286;p8"/>
+          <p:cNvPr id="285" name="Google Shape;285;p8"/>
           <p:cNvSpPr/>
           <p:nvPr/>
         </p:nvSpPr>
@@ -27994,7 +28304,7 @@
       </p:sp>
       <p:cxnSp>
         <p:nvCxnSpPr>
-          <p:cNvPr id="287" name="Google Shape;287;p8"/>
+          <p:cNvPr id="286" name="Google Shape;286;p8"/>
           <p:cNvCxnSpPr/>
           <p:nvPr/>
         </p:nvCxnSpPr>
@@ -28020,7 +28330,7 @@
       </p:cxnSp>
       <p:cxnSp>
         <p:nvCxnSpPr>
-          <p:cNvPr id="288" name="Google Shape;288;p8"/>
+          <p:cNvPr id="287" name="Google Shape;287;p8"/>
           <p:cNvCxnSpPr/>
           <p:nvPr/>
         </p:nvCxnSpPr>
@@ -28046,7 +28356,7 @@
       </p:cxnSp>
       <p:cxnSp>
         <p:nvCxnSpPr>
-          <p:cNvPr id="289" name="Google Shape;289;p8"/>
+          <p:cNvPr id="288" name="Google Shape;288;p8"/>
           <p:cNvCxnSpPr/>
           <p:nvPr/>
         </p:nvCxnSpPr>
@@ -28072,7 +28382,7 @@
       </p:cxnSp>
       <p:sp>
         <p:nvSpPr>
-          <p:cNvPr id="290" name="Google Shape;290;p8"/>
+          <p:cNvPr id="289" name="Google Shape;289;p8"/>
           <p:cNvSpPr/>
           <p:nvPr/>
         </p:nvSpPr>
@@ -28154,7 +28464,7 @@
       </p:sp>
       <p:sp>
         <p:nvSpPr>
-          <p:cNvPr id="291" name="Google Shape;291;p8"/>
+          <p:cNvPr id="290" name="Google Shape;290;p8"/>
           <p:cNvSpPr/>
           <p:nvPr/>
         </p:nvSpPr>
@@ -28236,7 +28546,7 @@
       </p:sp>
       <p:sp>
         <p:nvSpPr>
-          <p:cNvPr id="292" name="Google Shape;292;p8"/>
+          <p:cNvPr id="291" name="Google Shape;291;p8"/>
           <p:cNvSpPr/>
           <p:nvPr/>
         </p:nvSpPr>
@@ -28325,11 +28635,11 @@
 </file>
 
 <file path=ppt/slides/slide9.xml><?xml version="1.0" encoding="utf-8"?>
-<p:sld xmlns:a="http://schemas.openxmlformats.org/drawingml/2006/main" xmlns:r="http://schemas.openxmlformats.org/officeDocument/2006/relationships" xmlns:mc="http://schemas.openxmlformats.org/markup-compatibility/2006" xmlns:mv="urn:schemas-microsoft-com:mac:vml" xmlns:p="http://schemas.openxmlformats.org/presentationml/2006/main" xmlns:c="http://schemas.openxmlformats.org/drawingml/2006/chart" xmlns:dgm="http://schemas.openxmlformats.org/drawingml/2006/diagram" xmlns:o="urn:schemas-microsoft-com:office:office" xmlns:v="urn:schemas-microsoft-com:vml" xmlns:pvml="urn:schemas-microsoft-com:office:powerpoint" xmlns:com="http://schemas.openxmlformats.org/drawingml/2006/compatibility" xmlns:p14="http://schemas.microsoft.com/office/powerpoint/2010/main" xmlns:p15="http://schemas.microsoft.com/office/powerpoint/2012/main">
+<p:sld xmlns:a="http://schemas.openxmlformats.org/drawingml/2006/main" xmlns:r="http://schemas.openxmlformats.org/officeDocument/2006/relationships" xmlns:mc="http://schemas.openxmlformats.org/markup-compatibility/2006" xmlns:mv="urn:schemas-microsoft-com:mac:vml" xmlns:p="http://schemas.openxmlformats.org/presentationml/2006/main" xmlns:c="http://schemas.openxmlformats.org/drawingml/2006/chart" xmlns:dgm="http://schemas.openxmlformats.org/drawingml/2006/diagram" xmlns:o="urn:schemas-microsoft-com:office:office" xmlns:v="urn:schemas-microsoft-com:vml" xmlns:pvml="urn:schemas-microsoft-com:office:powerpoint" xmlns:com="http://schemas.openxmlformats.org/drawingml/2006/compatibility" xmlns:p14="http://schemas.microsoft.com/office/powerpoint/2010/main" xmlns:p15="http://schemas.microsoft.com/office/powerpoint/2012/main" xmlns:ahyp="http://schemas.microsoft.com/office/drawing/2018/hyperlinkcolor">
   <p:cSld>
     <p:spTree>
       <p:nvGrpSpPr>
-        <p:cNvPr id="296" name="Shape 296"/>
+        <p:cNvPr id="295" name="Shape 295"/>
         <p:cNvGrpSpPr/>
         <p:nvPr/>
       </p:nvGrpSpPr>
@@ -28343,7 +28653,7 @@
       </p:grpSpPr>
       <p:sp>
         <p:nvSpPr>
-          <p:cNvPr id="297" name="Google Shape;297;p9"/>
+          <p:cNvPr id="296" name="Google Shape;296;p9"/>
           <p:cNvSpPr/>
           <p:nvPr/>
         </p:nvSpPr>
@@ -28590,6 +28900,285 @@
 </file>
 
 <file path=ppt/theme/theme1.xml><?xml version="1.0" encoding="utf-8"?>
+<a:theme xmlns:a="http://schemas.openxmlformats.org/drawingml/2006/main" xmlns:r="http://schemas.openxmlformats.org/officeDocument/2006/relationships">
+  <a:themeElements>
+    <a:clrScheme name="Default">
+      <a:dk1>
+        <a:srgbClr val="000000"/>
+      </a:dk1>
+      <a:lt1>
+        <a:srgbClr val="FFFFFF"/>
+      </a:lt1>
+      <a:dk2>
+        <a:srgbClr val="158158"/>
+      </a:dk2>
+      <a:lt2>
+        <a:srgbClr val="F3F3F3"/>
+      </a:lt2>
+      <a:accent1>
+        <a:srgbClr val="058DC7"/>
+      </a:accent1>
+      <a:accent2>
+        <a:srgbClr val="50B432"/>
+      </a:accent2>
+      <a:accent3>
+        <a:srgbClr val="ED561B"/>
+      </a:accent3>
+      <a:accent4>
+        <a:srgbClr val="EDEF00"/>
+      </a:accent4>
+      <a:accent5>
+        <a:srgbClr val="24CBE5"/>
+      </a:accent5>
+      <a:accent6>
+        <a:srgbClr val="64E572"/>
+      </a:accent6>
+      <a:hlink>
+        <a:srgbClr val="2200CC"/>
+      </a:hlink>
+      <a:folHlink>
+        <a:srgbClr val="551A8B"/>
+      </a:folHlink>
+    </a:clrScheme>
+    <a:fontScheme name="Office">
+      <a:majorFont>
+        <a:latin typeface="Arial"/>
+        <a:ea typeface=""/>
+        <a:cs typeface=""/>
+        <a:font script="Jpan" typeface="ＭＳ Ｐゴシック"/>
+        <a:font script="Hang" typeface="맑은 고딕"/>
+        <a:font script="Hans" typeface="宋体"/>
+        <a:font script="Hant" typeface="新細明體"/>
+        <a:font script="Arab" typeface="Times New Roman"/>
+        <a:font script="Hebr" typeface="Times New Roman"/>
+        <a:font script="Thai" typeface="Angsana New"/>
+        <a:font script="Ethi" typeface="Nyala"/>
+        <a:font script="Beng" typeface="Vrinda"/>
+        <a:font script="Gujr" typeface="Shruti"/>
+        <a:font script="Khmr" typeface="MoolBoran"/>
+        <a:font script="Knda" typeface="Tunga"/>
+        <a:font script="Guru" typeface="Raavi"/>
+        <a:font script="Cans" typeface="Euphemia"/>
+        <a:font script="Cher" typeface="Plantagenet Cherokee"/>
+        <a:font script="Yiii" typeface="Microsoft Yi Baiti"/>
+        <a:font script="Tibt" typeface="Microsoft Himalaya"/>
+        <a:font script="Thaa" typeface="MV Boli"/>
+        <a:font script="Deva" typeface="Mangal"/>
+        <a:font script="Telu" typeface="Gautami"/>
+        <a:font script="Taml" typeface="Latha"/>
+        <a:font script="Syrc" typeface="Estrangelo Edessa"/>
+        <a:font script="Orya" typeface="Kalinga"/>
+        <a:font script="Mlym" typeface="Kartika"/>
+        <a:font script="Laoo" typeface="DokChampa"/>
+        <a:font script="Sinh" typeface="Iskoola Pota"/>
+        <a:font script="Mong" typeface="Mongolian Baiti"/>
+        <a:font script="Viet" typeface="Times New Roman"/>
+        <a:font script="Uigh" typeface="Microsoft Uighur"/>
+        <a:font script="Geor" typeface="Sylfaen"/>
+      </a:majorFont>
+      <a:minorFont>
+        <a:latin typeface="Arial"/>
+        <a:ea typeface=""/>
+        <a:cs typeface=""/>
+        <a:font script="Jpan" typeface="ＭＳ Ｐゴシック"/>
+        <a:font script="Hang" typeface="맑은 고딕"/>
+        <a:font script="Hans" typeface="宋体"/>
+        <a:font script="Hant" typeface="新細明體"/>
+        <a:font script="Arab" typeface="Arial"/>
+        <a:font script="Hebr" typeface="Arial"/>
+        <a:font script="Thai" typeface="Cordia New"/>
+        <a:font script="Ethi" typeface="Nyala"/>
+        <a:font script="Beng" typeface="Vrinda"/>
+        <a:font script="Gujr" typeface="Shruti"/>
+        <a:font script="Khmr" typeface="DaunPenh"/>
+        <a:font script="Knda" typeface="Tunga"/>
+        <a:font script="Guru" typeface="Raavi"/>
+        <a:font script="Cans" typeface="Euphemia"/>
+        <a:font script="Cher" typeface="Plantagenet Cherokee"/>
+        <a:font script="Yiii" typeface="Microsoft Yi Baiti"/>
+        <a:font script="Tibt" typeface="Microsoft Himalaya"/>
+        <a:font script="Thaa" typeface="MV Boli"/>
+        <a:font script="Deva" typeface="Mangal"/>
+        <a:font script="Telu" typeface="Gautami"/>
+        <a:font script="Taml" typeface="Latha"/>
+        <a:font script="Syrc" typeface="Estrangelo Edessa"/>
+        <a:font script="Orya" typeface="Kalinga"/>
+        <a:font script="Mlym" typeface="Kartika"/>
+        <a:font script="Laoo" typeface="DokChampa"/>
+        <a:font script="Sinh" typeface="Iskoola Pota"/>
+        <a:font script="Mong" typeface="Mongolian Baiti"/>
+        <a:font script="Viet" typeface="Arial"/>
+        <a:font script="Uigh" typeface="Microsoft Uighur"/>
+        <a:font script="Geor" typeface="Sylfaen"/>
+      </a:minorFont>
+    </a:fontScheme>
+    <a:fmtScheme name="Office">
+      <a:fillStyleLst>
+        <a:solidFill>
+          <a:schemeClr val="phClr"/>
+        </a:solidFill>
+        <a:gradFill rotWithShape="1">
+          <a:gsLst>
+            <a:gs pos="0">
+              <a:schemeClr val="phClr">
+                <a:tint val="50000"/>
+                <a:satMod val="300000"/>
+              </a:schemeClr>
+            </a:gs>
+            <a:gs pos="35000">
+              <a:schemeClr val="phClr">
+                <a:tint val="37000"/>
+                <a:satMod val="300000"/>
+              </a:schemeClr>
+            </a:gs>
+            <a:gs pos="100000">
+              <a:schemeClr val="phClr">
+                <a:tint val="15000"/>
+                <a:satMod val="350000"/>
+              </a:schemeClr>
+            </a:gs>
+          </a:gsLst>
+          <a:lin ang="16200000" scaled="1"/>
+        </a:gradFill>
+        <a:gradFill rotWithShape="1">
+          <a:gsLst>
+            <a:gs pos="0">
+              <a:schemeClr val="phClr">
+                <a:tint val="100000"/>
+                <a:shade val="100000"/>
+                <a:satMod val="130000"/>
+              </a:schemeClr>
+            </a:gs>
+            <a:gs pos="100000">
+              <a:schemeClr val="phClr">
+                <a:tint val="50000"/>
+                <a:shade val="100000"/>
+                <a:satMod val="350000"/>
+              </a:schemeClr>
+            </a:gs>
+          </a:gsLst>
+          <a:lin ang="16200000" scaled="0"/>
+        </a:gradFill>
+      </a:fillStyleLst>
+      <a:lnStyleLst>
+        <a:ln w="9525" cap="flat" cmpd="sng" algn="ctr">
+          <a:solidFill>
+            <a:schemeClr val="phClr">
+              <a:shade val="95000"/>
+              <a:satMod val="105000"/>
+            </a:schemeClr>
+          </a:solidFill>
+          <a:prstDash val="solid"/>
+        </a:ln>
+        <a:ln w="25400" cap="flat" cmpd="sng" algn="ctr">
+          <a:solidFill>
+            <a:schemeClr val="phClr"/>
+          </a:solidFill>
+          <a:prstDash val="solid"/>
+        </a:ln>
+        <a:ln w="38100" cap="flat" cmpd="sng" algn="ctr">
+          <a:solidFill>
+            <a:schemeClr val="phClr"/>
+          </a:solidFill>
+          <a:prstDash val="solid"/>
+        </a:ln>
+      </a:lnStyleLst>
+      <a:effectStyleLst>
+        <a:effectStyle>
+          <a:effectLst>
+            <a:outerShdw blurRad="40000" dist="20000" dir="5400000" rotWithShape="0">
+              <a:srgbClr val="000000">
+                <a:alpha val="38000"/>
+              </a:srgbClr>
+            </a:outerShdw>
+          </a:effectLst>
+        </a:effectStyle>
+        <a:effectStyle>
+          <a:effectLst>
+            <a:outerShdw blurRad="40000" dist="23000" dir="5400000" rotWithShape="0">
+              <a:srgbClr val="000000">
+                <a:alpha val="35000"/>
+              </a:srgbClr>
+            </a:outerShdw>
+          </a:effectLst>
+        </a:effectStyle>
+        <a:effectStyle>
+          <a:effectLst>
+            <a:outerShdw blurRad="40000" dist="23000" dir="5400000" rotWithShape="0">
+              <a:srgbClr val="000000">
+                <a:alpha val="35000"/>
+              </a:srgbClr>
+            </a:outerShdw>
+          </a:effectLst>
+          <a:scene3d>
+            <a:camera prst="orthographicFront">
+              <a:rot lat="0" lon="0" rev="0"/>
+            </a:camera>
+            <a:lightRig rig="threePt" dir="t">
+              <a:rot lat="0" lon="0" rev="1200000"/>
+            </a:lightRig>
+          </a:scene3d>
+          <a:sp3d>
+            <a:bevelT w="63500" h="25400"/>
+          </a:sp3d>
+        </a:effectStyle>
+      </a:effectStyleLst>
+      <a:bgFillStyleLst>
+        <a:solidFill>
+          <a:schemeClr val="phClr"/>
+        </a:solidFill>
+        <a:gradFill rotWithShape="1">
+          <a:gsLst>
+            <a:gs pos="0">
+              <a:schemeClr val="phClr">
+                <a:tint val="40000"/>
+                <a:satMod val="350000"/>
+              </a:schemeClr>
+            </a:gs>
+            <a:gs pos="40000">
+              <a:schemeClr val="phClr">
+                <a:tint val="45000"/>
+                <a:shade val="99000"/>
+                <a:satMod val="350000"/>
+              </a:schemeClr>
+            </a:gs>
+            <a:gs pos="100000">
+              <a:schemeClr val="phClr">
+                <a:shade val="20000"/>
+                <a:satMod val="255000"/>
+              </a:schemeClr>
+            </a:gs>
+          </a:gsLst>
+          <a:path path="circle">
+            <a:fillToRect l="50000" t="-80000" r="50000" b="180000"/>
+          </a:path>
+        </a:gradFill>
+        <a:gradFill rotWithShape="1">
+          <a:gsLst>
+            <a:gs pos="0">
+              <a:schemeClr val="phClr">
+                <a:tint val="80000"/>
+                <a:satMod val="300000"/>
+              </a:schemeClr>
+            </a:gs>
+            <a:gs pos="100000">
+              <a:schemeClr val="phClr">
+                <a:shade val="30000"/>
+                <a:satMod val="200000"/>
+              </a:schemeClr>
+            </a:gs>
+          </a:gsLst>
+          <a:path path="circle">
+            <a:fillToRect l="50000" t="50000" r="50000" b="50000"/>
+          </a:path>
+        </a:gradFill>
+      </a:bgFillStyleLst>
+    </a:fmtScheme>
+  </a:themeElements>
+</a:theme>
+</file>
+
+<file path=ppt/theme/theme2.xml><?xml version="1.0" encoding="utf-8"?>
 <a:theme xmlns:a="http://schemas.openxmlformats.org/drawingml/2006/main" xmlns:r="http://schemas.openxmlformats.org/officeDocument/2006/relationships" name="Ион (конференц-зал)">
   <a:themeElements>
     <a:clrScheme name="Ион (конференц-зал)">
@@ -28866,283 +29455,4 @@
     </a:fmtScheme>
   </a:themeElements>
 </a:theme>
-</file>
-
-<file path=ppt/theme/theme2.xml><?xml version="1.0" encoding="utf-8"?>
-<a:theme xmlns:a="http://schemas.openxmlformats.org/drawingml/2006/main" xmlns:r="http://schemas.openxmlformats.org/officeDocument/2006/relationships">
-  <a:themeElements>
-    <a:clrScheme name="Default">
-      <a:dk1>
-        <a:srgbClr val="000000"/>
-      </a:dk1>
-      <a:lt1>
-        <a:srgbClr val="FFFFFF"/>
-      </a:lt1>
-      <a:dk2>
-        <a:srgbClr val="158158"/>
-      </a:dk2>
-      <a:lt2>
-        <a:srgbClr val="F3F3F3"/>
-      </a:lt2>
-      <a:accent1>
-        <a:srgbClr val="058DC7"/>
-      </a:accent1>
-      <a:accent2>
-        <a:srgbClr val="50B432"/>
-      </a:accent2>
-      <a:accent3>
-        <a:srgbClr val="ED561B"/>
-      </a:accent3>
-      <a:accent4>
-        <a:srgbClr val="EDEF00"/>
-      </a:accent4>
-      <a:accent5>
-        <a:srgbClr val="24CBE5"/>
-      </a:accent5>
-      <a:accent6>
-        <a:srgbClr val="64E572"/>
-      </a:accent6>
-      <a:hlink>
-        <a:srgbClr val="2200CC"/>
-      </a:hlink>
-      <a:folHlink>
-        <a:srgbClr val="551A8B"/>
-      </a:folHlink>
-    </a:clrScheme>
-    <a:fontScheme name="Office">
-      <a:majorFont>
-        <a:latin typeface="Arial"/>
-        <a:ea typeface=""/>
-        <a:cs typeface=""/>
-        <a:font script="Jpan" typeface="ＭＳ Ｐゴシック"/>
-        <a:font script="Hang" typeface="맑은 고딕"/>
-        <a:font script="Hans" typeface="宋体"/>
-        <a:font script="Hant" typeface="新細明體"/>
-        <a:font script="Arab" typeface="Times New Roman"/>
-        <a:font script="Hebr" typeface="Times New Roman"/>
-        <a:font script="Thai" typeface="Angsana New"/>
-        <a:font script="Ethi" typeface="Nyala"/>
-        <a:font script="Beng" typeface="Vrinda"/>
-        <a:font script="Gujr" typeface="Shruti"/>
-        <a:font script="Khmr" typeface="MoolBoran"/>
-        <a:font script="Knda" typeface="Tunga"/>
-        <a:font script="Guru" typeface="Raavi"/>
-        <a:font script="Cans" typeface="Euphemia"/>
-        <a:font script="Cher" typeface="Plantagenet Cherokee"/>
-        <a:font script="Yiii" typeface="Microsoft Yi Baiti"/>
-        <a:font script="Tibt" typeface="Microsoft Himalaya"/>
-        <a:font script="Thaa" typeface="MV Boli"/>
-        <a:font script="Deva" typeface="Mangal"/>
-        <a:font script="Telu" typeface="Gautami"/>
-        <a:font script="Taml" typeface="Latha"/>
-        <a:font script="Syrc" typeface="Estrangelo Edessa"/>
-        <a:font script="Orya" typeface="Kalinga"/>
-        <a:font script="Mlym" typeface="Kartika"/>
-        <a:font script="Laoo" typeface="DokChampa"/>
-        <a:font script="Sinh" typeface="Iskoola Pota"/>
-        <a:font script="Mong" typeface="Mongolian Baiti"/>
-        <a:font script="Viet" typeface="Times New Roman"/>
-        <a:font script="Uigh" typeface="Microsoft Uighur"/>
-        <a:font script="Geor" typeface="Sylfaen"/>
-      </a:majorFont>
-      <a:minorFont>
-        <a:latin typeface="Arial"/>
-        <a:ea typeface=""/>
-        <a:cs typeface=""/>
-        <a:font script="Jpan" typeface="ＭＳ Ｐゴシック"/>
-        <a:font script="Hang" typeface="맑은 고딕"/>
-        <a:font script="Hans" typeface="宋体"/>
-        <a:font script="Hant" typeface="新細明體"/>
-        <a:font script="Arab" typeface="Arial"/>
-        <a:font script="Hebr" typeface="Arial"/>
-        <a:font script="Thai" typeface="Cordia New"/>
-        <a:font script="Ethi" typeface="Nyala"/>
-        <a:font script="Beng" typeface="Vrinda"/>
-        <a:font script="Gujr" typeface="Shruti"/>
-        <a:font script="Khmr" typeface="DaunPenh"/>
-        <a:font script="Knda" typeface="Tunga"/>
-        <a:font script="Guru" typeface="Raavi"/>
-        <a:font script="Cans" typeface="Euphemia"/>
-        <a:font script="Cher" typeface="Plantagenet Cherokee"/>
-        <a:font script="Yiii" typeface="Microsoft Yi Baiti"/>
-        <a:font script="Tibt" typeface="Microsoft Himalaya"/>
-        <a:font script="Thaa" typeface="MV Boli"/>
-        <a:font script="Deva" typeface="Mangal"/>
-        <a:font script="Telu" typeface="Gautami"/>
-        <a:font script="Taml" typeface="Latha"/>
-        <a:font script="Syrc" typeface="Estrangelo Edessa"/>
-        <a:font script="Orya" typeface="Kalinga"/>
-        <a:font script="Mlym" typeface="Kartika"/>
-        <a:font script="Laoo" typeface="DokChampa"/>
-        <a:font script="Sinh" typeface="Iskoola Pota"/>
-        <a:font script="Mong" typeface="Mongolian Baiti"/>
-        <a:font script="Viet" typeface="Arial"/>
-        <a:font script="Uigh" typeface="Microsoft Uighur"/>
-        <a:font script="Geor" typeface="Sylfaen"/>
-      </a:minorFont>
-    </a:fontScheme>
-    <a:fmtScheme name="Office">
-      <a:fillStyleLst>
-        <a:solidFill>
-          <a:schemeClr val="phClr"/>
-        </a:solidFill>
-        <a:gradFill rotWithShape="1">
-          <a:gsLst>
-            <a:gs pos="0">
-              <a:schemeClr val="phClr">
-                <a:tint val="50000"/>
-                <a:satMod val="300000"/>
-              </a:schemeClr>
-            </a:gs>
-            <a:gs pos="35000">
-              <a:schemeClr val="phClr">
-                <a:tint val="37000"/>
-                <a:satMod val="300000"/>
-              </a:schemeClr>
-            </a:gs>
-            <a:gs pos="100000">
-              <a:schemeClr val="phClr">
-                <a:tint val="15000"/>
-                <a:satMod val="350000"/>
-              </a:schemeClr>
-            </a:gs>
-          </a:gsLst>
-          <a:lin ang="16200000" scaled="1"/>
-        </a:gradFill>
-        <a:gradFill rotWithShape="1">
-          <a:gsLst>
-            <a:gs pos="0">
-              <a:schemeClr val="phClr">
-                <a:tint val="100000"/>
-                <a:shade val="100000"/>
-                <a:satMod val="130000"/>
-              </a:schemeClr>
-            </a:gs>
-            <a:gs pos="100000">
-              <a:schemeClr val="phClr">
-                <a:tint val="50000"/>
-                <a:shade val="100000"/>
-                <a:satMod val="350000"/>
-              </a:schemeClr>
-            </a:gs>
-          </a:gsLst>
-          <a:lin ang="16200000" scaled="0"/>
-        </a:gradFill>
-      </a:fillStyleLst>
-      <a:lnStyleLst>
-        <a:ln w="9525" cap="flat" cmpd="sng" algn="ctr">
-          <a:solidFill>
-            <a:schemeClr val="phClr">
-              <a:shade val="95000"/>
-              <a:satMod val="105000"/>
-            </a:schemeClr>
-          </a:solidFill>
-          <a:prstDash val="solid"/>
-        </a:ln>
-        <a:ln w="25400" cap="flat" cmpd="sng" algn="ctr">
-          <a:solidFill>
-            <a:schemeClr val="phClr"/>
-          </a:solidFill>
-          <a:prstDash val="solid"/>
-        </a:ln>
-        <a:ln w="38100" cap="flat" cmpd="sng" algn="ctr">
-          <a:solidFill>
-            <a:schemeClr val="phClr"/>
-          </a:solidFill>
-          <a:prstDash val="solid"/>
-        </a:ln>
-      </a:lnStyleLst>
-      <a:effectStyleLst>
-        <a:effectStyle>
-          <a:effectLst>
-            <a:outerShdw blurRad="40000" dist="20000" dir="5400000" rotWithShape="0">
-              <a:srgbClr val="000000">
-                <a:alpha val="38000"/>
-              </a:srgbClr>
-            </a:outerShdw>
-          </a:effectLst>
-        </a:effectStyle>
-        <a:effectStyle>
-          <a:effectLst>
-            <a:outerShdw blurRad="40000" dist="23000" dir="5400000" rotWithShape="0">
-              <a:srgbClr val="000000">
-                <a:alpha val="35000"/>
-              </a:srgbClr>
-            </a:outerShdw>
-          </a:effectLst>
-        </a:effectStyle>
-        <a:effectStyle>
-          <a:effectLst>
-            <a:outerShdw blurRad="40000" dist="23000" dir="5400000" rotWithShape="0">
-              <a:srgbClr val="000000">
-                <a:alpha val="35000"/>
-              </a:srgbClr>
-            </a:outerShdw>
-          </a:effectLst>
-          <a:scene3d>
-            <a:camera prst="orthographicFront">
-              <a:rot lat="0" lon="0" rev="0"/>
-            </a:camera>
-            <a:lightRig rig="threePt" dir="t">
-              <a:rot lat="0" lon="0" rev="1200000"/>
-            </a:lightRig>
-          </a:scene3d>
-          <a:sp3d>
-            <a:bevelT w="63500" h="25400"/>
-          </a:sp3d>
-        </a:effectStyle>
-      </a:effectStyleLst>
-      <a:bgFillStyleLst>
-        <a:solidFill>
-          <a:schemeClr val="phClr"/>
-        </a:solidFill>
-        <a:gradFill rotWithShape="1">
-          <a:gsLst>
-            <a:gs pos="0">
-              <a:schemeClr val="phClr">
-                <a:tint val="40000"/>
-                <a:satMod val="350000"/>
-              </a:schemeClr>
-            </a:gs>
-            <a:gs pos="40000">
-              <a:schemeClr val="phClr">
-                <a:tint val="45000"/>
-                <a:shade val="99000"/>
-                <a:satMod val="350000"/>
-              </a:schemeClr>
-            </a:gs>
-            <a:gs pos="100000">
-              <a:schemeClr val="phClr">
-                <a:shade val="20000"/>
-                <a:satMod val="255000"/>
-              </a:schemeClr>
-            </a:gs>
-          </a:gsLst>
-          <a:path path="circle">
-            <a:fillToRect l="50000" t="-80000" r="50000" b="180000"/>
-          </a:path>
-        </a:gradFill>
-        <a:gradFill rotWithShape="1">
-          <a:gsLst>
-            <a:gs pos="0">
-              <a:schemeClr val="phClr">
-                <a:tint val="80000"/>
-                <a:satMod val="300000"/>
-              </a:schemeClr>
-            </a:gs>
-            <a:gs pos="100000">
-              <a:schemeClr val="phClr">
-                <a:shade val="30000"/>
-                <a:satMod val="200000"/>
-              </a:schemeClr>
-            </a:gs>
-          </a:gsLst>
-          <a:path path="circle">
-            <a:fillToRect l="50000" t="50000" r="50000" b="50000"/>
-          </a:path>
-        </a:gradFill>
-      </a:bgFillStyleLst>
-    </a:fmtScheme>
-  </a:themeElements>
-</a:theme>
 </file>